--- a/statflow_wildcat_hackathon_2024.pptx
+++ b/statflow_wildcat_hackathon_2024.pptx
@@ -7,6 +7,8 @@
   <p:sldIdLst>
     <p:sldId id="256" r:id="rId2"/>
     <p:sldId id="257" r:id="rId3"/>
+    <p:sldId id="258" r:id="rId4"/>
+    <p:sldId id="259" r:id="rId5"/>
   </p:sldIdLst>
   <p:sldSz cx="12192000" cy="6858000"/>
   <p:notesSz cx="6858000" cy="9144000"/>
@@ -105,6 +107,11 @@
       </a:defRPr>
     </a:lvl9pPr>
   </p:defaultTextStyle>
+  <p:extLst>
+    <p:ext uri="{EFAFB233-063F-42B5-8137-9DF3F51BA10A}">
+      <p15:sldGuideLst xmlns:p15="http://schemas.microsoft.com/office/powerpoint/2012/main"/>
+    </p:ext>
+  </p:extLst>
 </p:presentation>
 </file>
 
@@ -292,7 +299,7 @@
           <a:p>
             <a:fld id="{5C863E21-CD6D-464B-805C-929CA9EBC1A0}" type="datetimeFigureOut">
               <a:rPr lang="en-US" smtClean="0"/>
-              <a:t>10/23/2024</a:t>
+              <a:t>10/28/2024</a:t>
             </a:fld>
             <a:endParaRPr lang="en-US"/>
           </a:p>
@@ -490,7 +497,7 @@
           <a:p>
             <a:fld id="{5C863E21-CD6D-464B-805C-929CA9EBC1A0}" type="datetimeFigureOut">
               <a:rPr lang="en-US" smtClean="0"/>
-              <a:t>10/23/2024</a:t>
+              <a:t>10/28/2024</a:t>
             </a:fld>
             <a:endParaRPr lang="en-US"/>
           </a:p>
@@ -698,7 +705,7 @@
           <a:p>
             <a:fld id="{5C863E21-CD6D-464B-805C-929CA9EBC1A0}" type="datetimeFigureOut">
               <a:rPr lang="en-US" smtClean="0"/>
-              <a:t>10/23/2024</a:t>
+              <a:t>10/28/2024</a:t>
             </a:fld>
             <a:endParaRPr lang="en-US"/>
           </a:p>
@@ -896,7 +903,7 @@
           <a:p>
             <a:fld id="{5C863E21-CD6D-464B-805C-929CA9EBC1A0}" type="datetimeFigureOut">
               <a:rPr lang="en-US" smtClean="0"/>
-              <a:t>10/23/2024</a:t>
+              <a:t>10/28/2024</a:t>
             </a:fld>
             <a:endParaRPr lang="en-US"/>
           </a:p>
@@ -1171,7 +1178,7 @@
           <a:p>
             <a:fld id="{5C863E21-CD6D-464B-805C-929CA9EBC1A0}" type="datetimeFigureOut">
               <a:rPr lang="en-US" smtClean="0"/>
-              <a:t>10/23/2024</a:t>
+              <a:t>10/28/2024</a:t>
             </a:fld>
             <a:endParaRPr lang="en-US"/>
           </a:p>
@@ -1436,7 +1443,7 @@
           <a:p>
             <a:fld id="{5C863E21-CD6D-464B-805C-929CA9EBC1A0}" type="datetimeFigureOut">
               <a:rPr lang="en-US" smtClean="0"/>
-              <a:t>10/23/2024</a:t>
+              <a:t>10/28/2024</a:t>
             </a:fld>
             <a:endParaRPr lang="en-US"/>
           </a:p>
@@ -1848,7 +1855,7 @@
           <a:p>
             <a:fld id="{5C863E21-CD6D-464B-805C-929CA9EBC1A0}" type="datetimeFigureOut">
               <a:rPr lang="en-US" smtClean="0"/>
-              <a:t>10/23/2024</a:t>
+              <a:t>10/28/2024</a:t>
             </a:fld>
             <a:endParaRPr lang="en-US"/>
           </a:p>
@@ -1989,7 +1996,7 @@
           <a:p>
             <a:fld id="{5C863E21-CD6D-464B-805C-929CA9EBC1A0}" type="datetimeFigureOut">
               <a:rPr lang="en-US" smtClean="0"/>
-              <a:t>10/23/2024</a:t>
+              <a:t>10/28/2024</a:t>
             </a:fld>
             <a:endParaRPr lang="en-US"/>
           </a:p>
@@ -2102,7 +2109,7 @@
           <a:p>
             <a:fld id="{5C863E21-CD6D-464B-805C-929CA9EBC1A0}" type="datetimeFigureOut">
               <a:rPr lang="en-US" smtClean="0"/>
-              <a:t>10/23/2024</a:t>
+              <a:t>10/28/2024</a:t>
             </a:fld>
             <a:endParaRPr lang="en-US"/>
           </a:p>
@@ -2413,7 +2420,7 @@
           <a:p>
             <a:fld id="{5C863E21-CD6D-464B-805C-929CA9EBC1A0}" type="datetimeFigureOut">
               <a:rPr lang="en-US" smtClean="0"/>
-              <a:t>10/23/2024</a:t>
+              <a:t>10/28/2024</a:t>
             </a:fld>
             <a:endParaRPr lang="en-US"/>
           </a:p>
@@ -2701,7 +2708,7 @@
           <a:p>
             <a:fld id="{5C863E21-CD6D-464B-805C-929CA9EBC1A0}" type="datetimeFigureOut">
               <a:rPr lang="en-US" smtClean="0"/>
-              <a:t>10/23/2024</a:t>
+              <a:t>10/28/2024</a:t>
             </a:fld>
             <a:endParaRPr lang="en-US"/>
           </a:p>
@@ -2942,7 +2949,7 @@
           <a:p>
             <a:fld id="{5C863E21-CD6D-464B-805C-929CA9EBC1A0}" type="datetimeFigureOut">
               <a:rPr lang="en-US" smtClean="0"/>
-              <a:t>10/23/2024</a:t>
+              <a:t>10/28/2024</a:t>
             </a:fld>
             <a:endParaRPr lang="en-US"/>
           </a:p>
@@ -3389,7 +3396,7 @@
           <a:p>
             <a:r>
               <a:rPr lang="en-US" sz="7200" dirty="0"/>
-              <a:t>TEAM NAME</a:t>
+              <a:t>STATFLOW</a:t>
             </a:r>
           </a:p>
         </p:txBody>
@@ -3424,85 +3431,57 @@
           <a:p>
             <a:r>
               <a:rPr lang="en-US" dirty="0"/>
-              <a:t>Full name of team member 1 – Major</a:t>
-            </a:r>
-          </a:p>
-          <a:p>
+              <a:t>Sai </a:t>
+            </a:r>
+            <a:r>
+              <a:rPr lang="en-US" dirty="0" err="1"/>
+              <a:t>Prathyusha</a:t>
+            </a:r>
             <a:r>
               <a:rPr lang="en-US" dirty="0"/>
-              <a:t>Full name of team member 2 - Major</a:t>
-            </a:r>
-          </a:p>
-          <a:p>
+              <a:t> </a:t>
+            </a:r>
+            <a:r>
+              <a:rPr lang="en-US" dirty="0" err="1"/>
+              <a:t>Gadaeraju</a:t>
+            </a:r>
             <a:r>
               <a:rPr lang="en-US" dirty="0"/>
-              <a:t>Full name of team member 3 - Major</a:t>
+              <a:t> – Statistics</a:t>
             </a:r>
           </a:p>
           <a:p>
             <a:r>
               <a:rPr lang="en-US" dirty="0"/>
-              <a:t>Full name of team member 4 - Major</a:t>
+              <a:t>Ashley Pritchard - Statistics</a:t>
+            </a:r>
+          </a:p>
+          <a:p>
+            <a:r>
+              <a:rPr lang="en-US" dirty="0"/>
+              <a:t>Eli Mari </a:t>
+            </a:r>
+            <a:r>
+              <a:rPr lang="en-US" dirty="0" err="1"/>
+              <a:t>Gacasan</a:t>
+            </a:r>
+            <a:r>
+              <a:rPr lang="en-US" dirty="0"/>
+              <a:t> - Statistics</a:t>
+            </a:r>
+          </a:p>
+          <a:p>
+            <a:r>
+              <a:rPr lang="en-US" dirty="0" err="1"/>
+              <a:t>Weiqiang</a:t>
+            </a:r>
+            <a:r>
+              <a:rPr lang="en-US" dirty="0"/>
+              <a:t> Zhi - Statistics</a:t>
             </a:r>
           </a:p>
           <a:p>
             <a:endParaRPr lang="en-US" dirty="0"/>
-          </a:p>
-        </p:txBody>
-      </p:sp>
-      <p:sp>
-        <p:nvSpPr>
-          <p:cNvPr id="6" name="TextBox 5">
-            <a:extLst>
-              <a:ext uri="{FF2B5EF4-FFF2-40B4-BE49-F238E27FC236}">
-                <a16:creationId xmlns:a16="http://schemas.microsoft.com/office/drawing/2014/main" id="{3616254F-DC45-D78E-2338-31D11B2FF6E7}"/>
-              </a:ext>
-            </a:extLst>
-          </p:cNvPr>
-          <p:cNvSpPr txBox="1"/>
-          <p:nvPr/>
-        </p:nvSpPr>
-        <p:spPr>
-          <a:xfrm>
-            <a:off x="3319272" y="256032"/>
-            <a:ext cx="6355080" cy="646331"/>
-          </a:xfrm>
-          <a:prstGeom prst="rect">
-            <a:avLst/>
-          </a:prstGeom>
-          <a:noFill/>
-        </p:spPr>
-        <p:txBody>
-          <a:bodyPr wrap="square" rtlCol="0">
-            <a:spAutoFit/>
-          </a:bodyPr>
-          <a:lstStyle/>
-          <a:p>
-            <a:pPr algn="ctr"/>
-            <a:r>
-              <a:rPr lang="en-US" dirty="0">
-                <a:solidFill>
-                  <a:srgbClr val="FF0000"/>
-                </a:solidFill>
-              </a:rPr>
-              <a:t>Before you start, replace “</a:t>
-            </a:r>
-            <a:r>
-              <a:rPr lang="en-US" i="1" dirty="0" err="1">
-                <a:solidFill>
-                  <a:srgbClr val="FF0000"/>
-                </a:solidFill>
-              </a:rPr>
-              <a:t>teamname</a:t>
-            </a:r>
-            <a:r>
-              <a:rPr lang="en-US" dirty="0">
-                <a:solidFill>
-                  <a:srgbClr val="FF0000"/>
-                </a:solidFill>
-              </a:rPr>
-              <a:t>” in the file name with the name of your team. Then delete this box with the red text.</a:t>
-            </a:r>
           </a:p>
         </p:txBody>
       </p:sp>
@@ -3571,39 +3550,1108 @@
       </p:sp>
       <p:sp>
         <p:nvSpPr>
-          <p:cNvPr id="3" name="Content Placeholder 2">
-            <a:extLst>
-              <a:ext uri="{FF2B5EF4-FFF2-40B4-BE49-F238E27FC236}">
-                <a16:creationId xmlns:a16="http://schemas.microsoft.com/office/drawing/2014/main" id="{C67A997F-5815-F227-BD20-80D0F2F83ABF}"/>
-              </a:ext>
-            </a:extLst>
-          </p:cNvPr>
-          <p:cNvSpPr>
-            <a:spLocks noGrp="1"/>
-          </p:cNvSpPr>
-          <p:nvPr>
-            <p:ph idx="1"/>
-          </p:nvPr>
-        </p:nvSpPr>
-        <p:spPr/>
-        <p:txBody>
-          <a:bodyPr/>
-          <a:lstStyle/>
-          <a:p>
-            <a:r>
-              <a:rPr lang="en-US" b="0" i="0" dirty="0">
+          <p:cNvPr id="88" name="Rectangle: Rounded Corners 87">
+            <a:extLst>
+              <a:ext uri="{FF2B5EF4-FFF2-40B4-BE49-F238E27FC236}">
+                <a16:creationId xmlns:a16="http://schemas.microsoft.com/office/drawing/2014/main" id="{4EBA3827-7EED-5695-2056-A103ED28B2BE}"/>
+              </a:ext>
+            </a:extLst>
+          </p:cNvPr>
+          <p:cNvSpPr/>
+          <p:nvPr/>
+        </p:nvSpPr>
+        <p:spPr>
+          <a:xfrm>
+            <a:off x="838200" y="1383527"/>
+            <a:ext cx="2293471" cy="546873"/>
+          </a:xfrm>
+          <a:prstGeom prst="roundRect">
+            <a:avLst/>
+          </a:prstGeom>
+          <a:solidFill>
+            <a:schemeClr val="accent4"/>
+          </a:solidFill>
+          <a:ln>
+            <a:noFill/>
+          </a:ln>
+        </p:spPr>
+        <p:style>
+          <a:lnRef idx="0">
+            <a:scrgbClr r="0" g="0" b="0"/>
+          </a:lnRef>
+          <a:fillRef idx="0">
+            <a:scrgbClr r="0" g="0" b="0"/>
+          </a:fillRef>
+          <a:effectRef idx="0">
+            <a:scrgbClr r="0" g="0" b="0"/>
+          </a:effectRef>
+          <a:fontRef idx="minor">
+            <a:schemeClr val="lt1"/>
+          </a:fontRef>
+        </p:style>
+        <p:txBody>
+          <a:bodyPr rtlCol="0" anchor="ctr"/>
+          <a:lstStyle/>
+          <a:p>
+            <a:pPr algn="ctr"/>
+            <a:r>
+              <a:rPr lang="en-US" dirty="0"/>
+              <a:t>Data Sets</a:t>
+            </a:r>
+          </a:p>
+        </p:txBody>
+      </p:sp>
+      <p:sp>
+        <p:nvSpPr>
+          <p:cNvPr id="89" name="Rectangle: Rounded Corners 88">
+            <a:extLst>
+              <a:ext uri="{FF2B5EF4-FFF2-40B4-BE49-F238E27FC236}">
+                <a16:creationId xmlns:a16="http://schemas.microsoft.com/office/drawing/2014/main" id="{2AECA3CC-3FD1-41C7-8FD3-ADA120E02D6F}"/>
+              </a:ext>
+            </a:extLst>
+          </p:cNvPr>
+          <p:cNvSpPr/>
+          <p:nvPr/>
+        </p:nvSpPr>
+        <p:spPr>
+          <a:xfrm>
+            <a:off x="3478285" y="1393236"/>
+            <a:ext cx="4274144" cy="546873"/>
+          </a:xfrm>
+          <a:prstGeom prst="roundRect">
+            <a:avLst/>
+          </a:prstGeom>
+          <a:solidFill>
+            <a:schemeClr val="accent3"/>
+          </a:solidFill>
+          <a:ln>
+            <a:noFill/>
+          </a:ln>
+        </p:spPr>
+        <p:style>
+          <a:lnRef idx="0">
+            <a:scrgbClr r="0" g="0" b="0"/>
+          </a:lnRef>
+          <a:fillRef idx="0">
+            <a:scrgbClr r="0" g="0" b="0"/>
+          </a:fillRef>
+          <a:effectRef idx="0">
+            <a:scrgbClr r="0" g="0" b="0"/>
+          </a:effectRef>
+          <a:fontRef idx="minor">
+            <a:schemeClr val="lt1"/>
+          </a:fontRef>
+        </p:style>
+        <p:txBody>
+          <a:bodyPr rtlCol="0" anchor="ctr"/>
+          <a:lstStyle/>
+          <a:p>
+            <a:pPr algn="ctr"/>
+            <a:r>
+              <a:rPr lang="en-US" dirty="0"/>
+              <a:t>Data Processing</a:t>
+            </a:r>
+          </a:p>
+        </p:txBody>
+      </p:sp>
+      <p:sp>
+        <p:nvSpPr>
+          <p:cNvPr id="90" name="Rectangle: Rounded Corners 89">
+            <a:extLst>
+              <a:ext uri="{FF2B5EF4-FFF2-40B4-BE49-F238E27FC236}">
+                <a16:creationId xmlns:a16="http://schemas.microsoft.com/office/drawing/2014/main" id="{490994E0-D75E-63F1-CE86-54941E5FDB66}"/>
+              </a:ext>
+            </a:extLst>
+          </p:cNvPr>
+          <p:cNvSpPr/>
+          <p:nvPr/>
+        </p:nvSpPr>
+        <p:spPr>
+          <a:xfrm>
+            <a:off x="8099043" y="1393237"/>
+            <a:ext cx="3425310" cy="546873"/>
+          </a:xfrm>
+          <a:prstGeom prst="roundRect">
+            <a:avLst/>
+          </a:prstGeom>
+          <a:solidFill>
+            <a:schemeClr val="accent5"/>
+          </a:solidFill>
+          <a:ln>
+            <a:noFill/>
+          </a:ln>
+        </p:spPr>
+        <p:style>
+          <a:lnRef idx="0">
+            <a:scrgbClr r="0" g="0" b="0"/>
+          </a:lnRef>
+          <a:fillRef idx="0">
+            <a:scrgbClr r="0" g="0" b="0"/>
+          </a:fillRef>
+          <a:effectRef idx="0">
+            <a:scrgbClr r="0" g="0" b="0"/>
+          </a:effectRef>
+          <a:fontRef idx="minor">
+            <a:schemeClr val="lt1"/>
+          </a:fontRef>
+        </p:style>
+        <p:txBody>
+          <a:bodyPr rtlCol="0" anchor="ctr"/>
+          <a:lstStyle/>
+          <a:p>
+            <a:pPr algn="ctr"/>
+            <a:r>
+              <a:rPr lang="en-US" dirty="0"/>
+              <a:t>Dashboard Creation</a:t>
+            </a:r>
+          </a:p>
+        </p:txBody>
+      </p:sp>
+      <p:sp>
+        <p:nvSpPr>
+          <p:cNvPr id="91" name="Rectangle: Rounded Corners 90">
+            <a:extLst>
+              <a:ext uri="{FF2B5EF4-FFF2-40B4-BE49-F238E27FC236}">
+                <a16:creationId xmlns:a16="http://schemas.microsoft.com/office/drawing/2014/main" id="{AB2A189A-205B-C6B6-D0E7-12CF9D5E323E}"/>
+              </a:ext>
+            </a:extLst>
+          </p:cNvPr>
+          <p:cNvSpPr/>
+          <p:nvPr/>
+        </p:nvSpPr>
+        <p:spPr>
+          <a:xfrm>
+            <a:off x="838200" y="2109694"/>
+            <a:ext cx="2293471" cy="1577788"/>
+          </a:xfrm>
+          <a:prstGeom prst="roundRect">
+            <a:avLst/>
+          </a:prstGeom>
+          <a:solidFill>
+            <a:schemeClr val="accent4">
+              <a:lumMod val="20000"/>
+              <a:lumOff val="80000"/>
+            </a:schemeClr>
+          </a:solidFill>
+          <a:ln>
+            <a:noFill/>
+          </a:ln>
+        </p:spPr>
+        <p:style>
+          <a:lnRef idx="2">
+            <a:schemeClr val="accent1">
+              <a:shade val="15000"/>
+            </a:schemeClr>
+          </a:lnRef>
+          <a:fillRef idx="1">
+            <a:schemeClr val="accent1"/>
+          </a:fillRef>
+          <a:effectRef idx="0">
+            <a:schemeClr val="accent1"/>
+          </a:effectRef>
+          <a:fontRef idx="minor">
+            <a:schemeClr val="lt1"/>
+          </a:fontRef>
+        </p:style>
+        <p:txBody>
+          <a:bodyPr rtlCol="0" anchor="ctr"/>
+          <a:lstStyle/>
+          <a:p>
+            <a:r>
+              <a:rPr lang="en-US" b="1" dirty="0">
                 <a:solidFill>
-                  <a:srgbClr val="000000"/>
+                  <a:schemeClr val="tx1"/>
                 </a:solidFill>
-                <a:effectLst/>
-                <a:latin typeface="Aptos"/>
               </a:rPr>
-              <a:t>Create a sketch showing dashboard input datasets, outputs, programming language, dashboard framework, and the overall data processing pipeline. Ensure the sketch is clearly visible. Focus on the main aspects of the dashboard.</a:t>
-            </a:r>
-            <a:endParaRPr lang="en-US" dirty="0"/>
-          </a:p>
-        </p:txBody>
-      </p:sp>
+              <a:t>CropX, </a:t>
+            </a:r>
+            <a:r>
+              <a:rPr lang="en-US" b="1" dirty="0" err="1">
+                <a:solidFill>
+                  <a:schemeClr val="tx1"/>
+                </a:solidFill>
+              </a:rPr>
+              <a:t>AquaSpy</a:t>
+            </a:r>
+            <a:r>
+              <a:rPr lang="en-US" b="1" dirty="0">
+                <a:solidFill>
+                  <a:schemeClr val="tx1"/>
+                </a:solidFill>
+              </a:rPr>
+              <a:t>, and </a:t>
+            </a:r>
+            <a:r>
+              <a:rPr lang="en-US" b="1" dirty="0" err="1">
+                <a:solidFill>
+                  <a:schemeClr val="tx1"/>
+                </a:solidFill>
+              </a:rPr>
+              <a:t>Sentek</a:t>
+            </a:r>
+            <a:r>
+              <a:rPr lang="en-US" b="1" dirty="0">
+                <a:solidFill>
+                  <a:schemeClr val="tx1"/>
+                </a:solidFill>
+              </a:rPr>
+              <a:t> Sensor Data</a:t>
+            </a:r>
+          </a:p>
+          <a:p>
+            <a:pPr marL="285750" indent="-285750">
+              <a:buFont typeface="Arial" panose="020B0604020202020204" pitchFamily="34" charset="0"/>
+              <a:buChar char="•"/>
+            </a:pPr>
+            <a:r>
+              <a:rPr lang="en-US" dirty="0">
+                <a:solidFill>
+                  <a:schemeClr val="tx1"/>
+                </a:solidFill>
+              </a:rPr>
+              <a:t>Soil moisture</a:t>
+            </a:r>
+          </a:p>
+          <a:p>
+            <a:pPr marL="285750" indent="-285750">
+              <a:buFont typeface="Arial" panose="020B0604020202020204" pitchFamily="34" charset="0"/>
+              <a:buChar char="•"/>
+            </a:pPr>
+            <a:r>
+              <a:rPr lang="en-US" dirty="0">
+                <a:solidFill>
+                  <a:schemeClr val="tx1"/>
+                </a:solidFill>
+              </a:rPr>
+              <a:t>Soil temperature</a:t>
+            </a:r>
+          </a:p>
+        </p:txBody>
+      </p:sp>
+      <p:sp>
+        <p:nvSpPr>
+          <p:cNvPr id="92" name="Rectangle: Rounded Corners 91">
+            <a:extLst>
+              <a:ext uri="{FF2B5EF4-FFF2-40B4-BE49-F238E27FC236}">
+                <a16:creationId xmlns:a16="http://schemas.microsoft.com/office/drawing/2014/main" id="{4B4AA537-8D07-C8AF-3CE2-453693D27513}"/>
+              </a:ext>
+            </a:extLst>
+          </p:cNvPr>
+          <p:cNvSpPr/>
+          <p:nvPr/>
+        </p:nvSpPr>
+        <p:spPr>
+          <a:xfrm>
+            <a:off x="3497914" y="2108946"/>
+            <a:ext cx="2011680" cy="1577788"/>
+          </a:xfrm>
+          <a:prstGeom prst="roundRect">
+            <a:avLst/>
+          </a:prstGeom>
+          <a:solidFill>
+            <a:schemeClr val="accent3">
+              <a:lumMod val="20000"/>
+              <a:lumOff val="80000"/>
+            </a:schemeClr>
+          </a:solidFill>
+          <a:ln>
+            <a:noFill/>
+          </a:ln>
+        </p:spPr>
+        <p:style>
+          <a:lnRef idx="2">
+            <a:schemeClr val="accent1">
+              <a:shade val="15000"/>
+            </a:schemeClr>
+          </a:lnRef>
+          <a:fillRef idx="1">
+            <a:schemeClr val="accent1"/>
+          </a:fillRef>
+          <a:effectRef idx="0">
+            <a:schemeClr val="accent1"/>
+          </a:effectRef>
+          <a:fontRef idx="minor">
+            <a:schemeClr val="lt1"/>
+          </a:fontRef>
+        </p:style>
+        <p:txBody>
+          <a:bodyPr rtlCol="0" anchor="ctr"/>
+          <a:lstStyle/>
+          <a:p>
+            <a:pPr algn="ctr"/>
+            <a:r>
+              <a:rPr lang="en-US" dirty="0">
+                <a:solidFill>
+                  <a:schemeClr val="tx1"/>
+                </a:solidFill>
+              </a:rPr>
+              <a:t>Summarize continuous sensor data by day and week</a:t>
+            </a:r>
+          </a:p>
+        </p:txBody>
+      </p:sp>
+      <p:sp>
+        <p:nvSpPr>
+          <p:cNvPr id="93" name="Rectangle: Rounded Corners 92">
+            <a:extLst>
+              <a:ext uri="{FF2B5EF4-FFF2-40B4-BE49-F238E27FC236}">
+                <a16:creationId xmlns:a16="http://schemas.microsoft.com/office/drawing/2014/main" id="{27D53573-2BAC-DC4B-8D13-B82922BDC3B6}"/>
+              </a:ext>
+            </a:extLst>
+          </p:cNvPr>
+          <p:cNvSpPr/>
+          <p:nvPr/>
+        </p:nvSpPr>
+        <p:spPr>
+          <a:xfrm>
+            <a:off x="838200" y="3774141"/>
+            <a:ext cx="2293471" cy="1228165"/>
+          </a:xfrm>
+          <a:prstGeom prst="roundRect">
+            <a:avLst/>
+          </a:prstGeom>
+          <a:solidFill>
+            <a:schemeClr val="accent4">
+              <a:lumMod val="20000"/>
+              <a:lumOff val="80000"/>
+            </a:schemeClr>
+          </a:solidFill>
+          <a:ln>
+            <a:noFill/>
+          </a:ln>
+        </p:spPr>
+        <p:style>
+          <a:lnRef idx="2">
+            <a:schemeClr val="accent1">
+              <a:shade val="15000"/>
+            </a:schemeClr>
+          </a:lnRef>
+          <a:fillRef idx="1">
+            <a:schemeClr val="accent1"/>
+          </a:fillRef>
+          <a:effectRef idx="0">
+            <a:schemeClr val="accent1"/>
+          </a:effectRef>
+          <a:fontRef idx="minor">
+            <a:schemeClr val="lt1"/>
+          </a:fontRef>
+        </p:style>
+        <p:txBody>
+          <a:bodyPr rtlCol="0" anchor="ctr"/>
+          <a:lstStyle/>
+          <a:p>
+            <a:r>
+              <a:rPr lang="en-US" b="1" dirty="0">
+                <a:solidFill>
+                  <a:schemeClr val="tx1"/>
+                </a:solidFill>
+              </a:rPr>
+              <a:t>Colby </a:t>
+            </a:r>
+            <a:r>
+              <a:rPr lang="en-US" b="1" dirty="0" err="1">
+                <a:solidFill>
+                  <a:schemeClr val="tx1"/>
+                </a:solidFill>
+              </a:rPr>
+              <a:t>Mesonet</a:t>
+            </a:r>
+            <a:r>
+              <a:rPr lang="en-US" b="1" dirty="0">
+                <a:solidFill>
+                  <a:schemeClr val="tx1"/>
+                </a:solidFill>
+              </a:rPr>
+              <a:t> Data</a:t>
+            </a:r>
+          </a:p>
+          <a:p>
+            <a:pPr marL="285750" indent="-285750">
+              <a:buFont typeface="Arial" panose="020B0604020202020204" pitchFamily="34" charset="0"/>
+              <a:buChar char="•"/>
+            </a:pPr>
+            <a:r>
+              <a:rPr lang="en-US" dirty="0">
+                <a:solidFill>
+                  <a:schemeClr val="tx1"/>
+                </a:solidFill>
+              </a:rPr>
+              <a:t>Temperature</a:t>
+            </a:r>
+          </a:p>
+          <a:p>
+            <a:pPr marL="285750" indent="-285750">
+              <a:buFont typeface="Arial" panose="020B0604020202020204" pitchFamily="34" charset="0"/>
+              <a:buChar char="•"/>
+            </a:pPr>
+            <a:r>
+              <a:rPr lang="en-US" dirty="0">
+                <a:solidFill>
+                  <a:schemeClr val="tx1"/>
+                </a:solidFill>
+              </a:rPr>
+              <a:t>Precipitation</a:t>
+            </a:r>
+          </a:p>
+        </p:txBody>
+      </p:sp>
+      <p:sp>
+        <p:nvSpPr>
+          <p:cNvPr id="94" name="Rectangle: Rounded Corners 93">
+            <a:extLst>
+              <a:ext uri="{FF2B5EF4-FFF2-40B4-BE49-F238E27FC236}">
+                <a16:creationId xmlns:a16="http://schemas.microsoft.com/office/drawing/2014/main" id="{B5F258D1-4EBF-F6C9-561D-48DC01A1F9DE}"/>
+              </a:ext>
+            </a:extLst>
+          </p:cNvPr>
+          <p:cNvSpPr/>
+          <p:nvPr/>
+        </p:nvSpPr>
+        <p:spPr>
+          <a:xfrm>
+            <a:off x="838200" y="5088965"/>
+            <a:ext cx="2293471" cy="977153"/>
+          </a:xfrm>
+          <a:prstGeom prst="roundRect">
+            <a:avLst/>
+          </a:prstGeom>
+          <a:solidFill>
+            <a:schemeClr val="accent4">
+              <a:lumMod val="20000"/>
+              <a:lumOff val="80000"/>
+            </a:schemeClr>
+          </a:solidFill>
+          <a:ln>
+            <a:noFill/>
+          </a:ln>
+        </p:spPr>
+        <p:style>
+          <a:lnRef idx="2">
+            <a:schemeClr val="accent1">
+              <a:shade val="15000"/>
+            </a:schemeClr>
+          </a:lnRef>
+          <a:fillRef idx="1">
+            <a:schemeClr val="accent1"/>
+          </a:fillRef>
+          <a:effectRef idx="0">
+            <a:schemeClr val="accent1"/>
+          </a:effectRef>
+          <a:fontRef idx="minor">
+            <a:schemeClr val="lt1"/>
+          </a:fontRef>
+        </p:style>
+        <p:txBody>
+          <a:bodyPr rtlCol="0" anchor="ctr"/>
+          <a:lstStyle/>
+          <a:p>
+            <a:r>
+              <a:rPr lang="en-US" b="1" dirty="0">
+                <a:solidFill>
+                  <a:schemeClr val="tx1"/>
+                </a:solidFill>
+              </a:rPr>
+              <a:t>Management Data</a:t>
+            </a:r>
+          </a:p>
+          <a:p>
+            <a:pPr marL="285750" indent="-285750">
+              <a:buFont typeface="Arial" panose="020B0604020202020204" pitchFamily="34" charset="0"/>
+              <a:buChar char="•"/>
+            </a:pPr>
+            <a:r>
+              <a:rPr lang="en-US" dirty="0">
+                <a:solidFill>
+                  <a:schemeClr val="tx1"/>
+                </a:solidFill>
+              </a:rPr>
+              <a:t>Irrigation Amounts</a:t>
+            </a:r>
+          </a:p>
+        </p:txBody>
+      </p:sp>
+      <p:sp>
+        <p:nvSpPr>
+          <p:cNvPr id="95" name="Rectangle: Rounded Corners 94">
+            <a:extLst>
+              <a:ext uri="{FF2B5EF4-FFF2-40B4-BE49-F238E27FC236}">
+                <a16:creationId xmlns:a16="http://schemas.microsoft.com/office/drawing/2014/main" id="{48F11EF7-D18A-6959-16BE-D6B54CCB4C2E}"/>
+              </a:ext>
+            </a:extLst>
+          </p:cNvPr>
+          <p:cNvSpPr/>
+          <p:nvPr/>
+        </p:nvSpPr>
+        <p:spPr>
+          <a:xfrm>
+            <a:off x="3502962" y="3774141"/>
+            <a:ext cx="2011680" cy="2291977"/>
+          </a:xfrm>
+          <a:prstGeom prst="roundRect">
+            <a:avLst/>
+          </a:prstGeom>
+          <a:solidFill>
+            <a:schemeClr val="accent3">
+              <a:lumMod val="20000"/>
+              <a:lumOff val="80000"/>
+            </a:schemeClr>
+          </a:solidFill>
+          <a:ln>
+            <a:noFill/>
+          </a:ln>
+        </p:spPr>
+        <p:style>
+          <a:lnRef idx="2">
+            <a:schemeClr val="accent1">
+              <a:shade val="15000"/>
+            </a:schemeClr>
+          </a:lnRef>
+          <a:fillRef idx="1">
+            <a:schemeClr val="accent1"/>
+          </a:fillRef>
+          <a:effectRef idx="0">
+            <a:schemeClr val="accent1"/>
+          </a:effectRef>
+          <a:fontRef idx="minor">
+            <a:schemeClr val="lt1"/>
+          </a:fontRef>
+        </p:style>
+        <p:txBody>
+          <a:bodyPr rtlCol="0" anchor="ctr"/>
+          <a:lstStyle/>
+          <a:p>
+            <a:pPr algn="ctr"/>
+            <a:r>
+              <a:rPr lang="en-US" dirty="0">
+                <a:solidFill>
+                  <a:schemeClr val="tx1"/>
+                </a:solidFill>
+              </a:rPr>
+              <a:t>Summarize weather and irrigation data by week</a:t>
+            </a:r>
+          </a:p>
+        </p:txBody>
+      </p:sp>
+      <p:sp>
+        <p:nvSpPr>
+          <p:cNvPr id="96" name="Rectangle: Rounded Corners 95">
+            <a:extLst>
+              <a:ext uri="{FF2B5EF4-FFF2-40B4-BE49-F238E27FC236}">
+                <a16:creationId xmlns:a16="http://schemas.microsoft.com/office/drawing/2014/main" id="{D78ED1A6-613A-7E6E-E687-10105E620E21}"/>
+              </a:ext>
+            </a:extLst>
+          </p:cNvPr>
+          <p:cNvSpPr/>
+          <p:nvPr/>
+        </p:nvSpPr>
+        <p:spPr>
+          <a:xfrm>
+            <a:off x="5740598" y="2097742"/>
+            <a:ext cx="2011831" cy="3956424"/>
+          </a:xfrm>
+          <a:prstGeom prst="roundRect">
+            <a:avLst/>
+          </a:prstGeom>
+          <a:solidFill>
+            <a:schemeClr val="accent3">
+              <a:lumMod val="20000"/>
+              <a:lumOff val="80000"/>
+            </a:schemeClr>
+          </a:solidFill>
+          <a:ln>
+            <a:noFill/>
+          </a:ln>
+        </p:spPr>
+        <p:style>
+          <a:lnRef idx="2">
+            <a:schemeClr val="accent1">
+              <a:shade val="15000"/>
+            </a:schemeClr>
+          </a:lnRef>
+          <a:fillRef idx="1">
+            <a:schemeClr val="accent1"/>
+          </a:fillRef>
+          <a:effectRef idx="0">
+            <a:schemeClr val="accent1"/>
+          </a:effectRef>
+          <a:fontRef idx="minor">
+            <a:schemeClr val="lt1"/>
+          </a:fontRef>
+        </p:style>
+        <p:txBody>
+          <a:bodyPr rtlCol="0" anchor="ctr"/>
+          <a:lstStyle/>
+          <a:p>
+            <a:pPr algn="ctr"/>
+            <a:r>
+              <a:rPr lang="en-US" dirty="0">
+                <a:solidFill>
+                  <a:schemeClr val="tx1"/>
+                </a:solidFill>
+              </a:rPr>
+              <a:t>Create a single dataset that contains daily and weekly summaries </a:t>
+            </a:r>
+          </a:p>
+          <a:p>
+            <a:pPr algn="ctr"/>
+            <a:r>
+              <a:rPr lang="en-US" dirty="0">
+                <a:solidFill>
+                  <a:schemeClr val="tx1"/>
+                </a:solidFill>
+              </a:rPr>
+              <a:t>of sensor measurements, weather, and irrigation.</a:t>
+            </a:r>
+          </a:p>
+        </p:txBody>
+      </p:sp>
+      <p:cxnSp>
+        <p:nvCxnSpPr>
+          <p:cNvPr id="98" name="Straight Arrow Connector 97">
+            <a:extLst>
+              <a:ext uri="{FF2B5EF4-FFF2-40B4-BE49-F238E27FC236}">
+                <a16:creationId xmlns:a16="http://schemas.microsoft.com/office/drawing/2014/main" id="{9D9077E6-E0FE-7B9E-CD56-BCB7A0459C05}"/>
+              </a:ext>
+            </a:extLst>
+          </p:cNvPr>
+          <p:cNvCxnSpPr>
+            <a:cxnSpLocks/>
+            <a:stCxn id="91" idx="3"/>
+            <a:endCxn id="92" idx="1"/>
+          </p:cNvCxnSpPr>
+          <p:nvPr/>
+        </p:nvCxnSpPr>
+        <p:spPr>
+          <a:xfrm flipV="1">
+            <a:off x="3131671" y="2897840"/>
+            <a:ext cx="366243" cy="748"/>
+          </a:xfrm>
+          <a:prstGeom prst="straightConnector1">
+            <a:avLst/>
+          </a:prstGeom>
+          <a:ln>
+            <a:tailEnd type="triangle"/>
+          </a:ln>
+        </p:spPr>
+        <p:style>
+          <a:lnRef idx="2">
+            <a:schemeClr val="dk1"/>
+          </a:lnRef>
+          <a:fillRef idx="0">
+            <a:schemeClr val="dk1"/>
+          </a:fillRef>
+          <a:effectRef idx="1">
+            <a:schemeClr val="dk1"/>
+          </a:effectRef>
+          <a:fontRef idx="minor">
+            <a:schemeClr val="tx1"/>
+          </a:fontRef>
+        </p:style>
+      </p:cxnSp>
+      <p:cxnSp>
+        <p:nvCxnSpPr>
+          <p:cNvPr id="100" name="Straight Arrow Connector 99">
+            <a:extLst>
+              <a:ext uri="{FF2B5EF4-FFF2-40B4-BE49-F238E27FC236}">
+                <a16:creationId xmlns:a16="http://schemas.microsoft.com/office/drawing/2014/main" id="{6D16D6E5-5CD6-6985-50BC-96E9CCBED99D}"/>
+              </a:ext>
+            </a:extLst>
+          </p:cNvPr>
+          <p:cNvCxnSpPr>
+            <a:cxnSpLocks/>
+            <a:stCxn id="93" idx="3"/>
+            <a:endCxn id="95" idx="1"/>
+          </p:cNvCxnSpPr>
+          <p:nvPr/>
+        </p:nvCxnSpPr>
+        <p:spPr>
+          <a:xfrm>
+            <a:off x="3131671" y="4388224"/>
+            <a:ext cx="371291" cy="531906"/>
+          </a:xfrm>
+          <a:prstGeom prst="straightConnector1">
+            <a:avLst/>
+          </a:prstGeom>
+          <a:ln>
+            <a:tailEnd type="triangle"/>
+          </a:ln>
+        </p:spPr>
+        <p:style>
+          <a:lnRef idx="2">
+            <a:schemeClr val="dk1"/>
+          </a:lnRef>
+          <a:fillRef idx="0">
+            <a:schemeClr val="dk1"/>
+          </a:fillRef>
+          <a:effectRef idx="1">
+            <a:schemeClr val="dk1"/>
+          </a:effectRef>
+          <a:fontRef idx="minor">
+            <a:schemeClr val="tx1"/>
+          </a:fontRef>
+        </p:style>
+      </p:cxnSp>
+      <p:cxnSp>
+        <p:nvCxnSpPr>
+          <p:cNvPr id="102" name="Straight Arrow Connector 101">
+            <a:extLst>
+              <a:ext uri="{FF2B5EF4-FFF2-40B4-BE49-F238E27FC236}">
+                <a16:creationId xmlns:a16="http://schemas.microsoft.com/office/drawing/2014/main" id="{46631200-B9B0-1719-E2EB-6DBE59151DDA}"/>
+              </a:ext>
+            </a:extLst>
+          </p:cNvPr>
+          <p:cNvCxnSpPr>
+            <a:cxnSpLocks/>
+            <a:stCxn id="94" idx="3"/>
+            <a:endCxn id="95" idx="1"/>
+          </p:cNvCxnSpPr>
+          <p:nvPr/>
+        </p:nvCxnSpPr>
+        <p:spPr>
+          <a:xfrm flipV="1">
+            <a:off x="3131671" y="4920130"/>
+            <a:ext cx="371291" cy="657412"/>
+          </a:xfrm>
+          <a:prstGeom prst="straightConnector1">
+            <a:avLst/>
+          </a:prstGeom>
+          <a:ln>
+            <a:tailEnd type="triangle"/>
+          </a:ln>
+        </p:spPr>
+        <p:style>
+          <a:lnRef idx="2">
+            <a:schemeClr val="dk1"/>
+          </a:lnRef>
+          <a:fillRef idx="0">
+            <a:schemeClr val="dk1"/>
+          </a:fillRef>
+          <a:effectRef idx="1">
+            <a:schemeClr val="dk1"/>
+          </a:effectRef>
+          <a:fontRef idx="minor">
+            <a:schemeClr val="tx1"/>
+          </a:fontRef>
+        </p:style>
+      </p:cxnSp>
+      <p:cxnSp>
+        <p:nvCxnSpPr>
+          <p:cNvPr id="104" name="Straight Arrow Connector 103">
+            <a:extLst>
+              <a:ext uri="{FF2B5EF4-FFF2-40B4-BE49-F238E27FC236}">
+                <a16:creationId xmlns:a16="http://schemas.microsoft.com/office/drawing/2014/main" id="{9848D1CF-E4A2-BD34-EB86-7337B4E34265}"/>
+              </a:ext>
+            </a:extLst>
+          </p:cNvPr>
+          <p:cNvCxnSpPr>
+            <a:stCxn id="92" idx="3"/>
+            <a:endCxn id="96" idx="1"/>
+          </p:cNvCxnSpPr>
+          <p:nvPr/>
+        </p:nvCxnSpPr>
+        <p:spPr>
+          <a:xfrm>
+            <a:off x="5509594" y="2897840"/>
+            <a:ext cx="231004" cy="1178114"/>
+          </a:xfrm>
+          <a:prstGeom prst="straightConnector1">
+            <a:avLst/>
+          </a:prstGeom>
+          <a:ln>
+            <a:tailEnd type="triangle"/>
+          </a:ln>
+        </p:spPr>
+        <p:style>
+          <a:lnRef idx="2">
+            <a:schemeClr val="dk1"/>
+          </a:lnRef>
+          <a:fillRef idx="0">
+            <a:schemeClr val="dk1"/>
+          </a:fillRef>
+          <a:effectRef idx="1">
+            <a:schemeClr val="dk1"/>
+          </a:effectRef>
+          <a:fontRef idx="minor">
+            <a:schemeClr val="tx1"/>
+          </a:fontRef>
+        </p:style>
+      </p:cxnSp>
+      <p:cxnSp>
+        <p:nvCxnSpPr>
+          <p:cNvPr id="106" name="Straight Arrow Connector 105">
+            <a:extLst>
+              <a:ext uri="{FF2B5EF4-FFF2-40B4-BE49-F238E27FC236}">
+                <a16:creationId xmlns:a16="http://schemas.microsoft.com/office/drawing/2014/main" id="{E965BF13-E3F1-EE36-C737-6BB826081B06}"/>
+              </a:ext>
+            </a:extLst>
+          </p:cNvPr>
+          <p:cNvCxnSpPr>
+            <a:stCxn id="95" idx="3"/>
+            <a:endCxn id="96" idx="1"/>
+          </p:cNvCxnSpPr>
+          <p:nvPr/>
+        </p:nvCxnSpPr>
+        <p:spPr>
+          <a:xfrm flipV="1">
+            <a:off x="5514642" y="4075954"/>
+            <a:ext cx="225956" cy="844176"/>
+          </a:xfrm>
+          <a:prstGeom prst="straightConnector1">
+            <a:avLst/>
+          </a:prstGeom>
+          <a:ln>
+            <a:tailEnd type="triangle"/>
+          </a:ln>
+        </p:spPr>
+        <p:style>
+          <a:lnRef idx="2">
+            <a:schemeClr val="dk1"/>
+          </a:lnRef>
+          <a:fillRef idx="0">
+            <a:schemeClr val="dk1"/>
+          </a:fillRef>
+          <a:effectRef idx="1">
+            <a:schemeClr val="dk1"/>
+          </a:effectRef>
+          <a:fontRef idx="minor">
+            <a:schemeClr val="tx1"/>
+          </a:fontRef>
+        </p:style>
+      </p:cxnSp>
+      <p:sp>
+        <p:nvSpPr>
+          <p:cNvPr id="108" name="Rectangle: Rounded Corners 107">
+            <a:extLst>
+              <a:ext uri="{FF2B5EF4-FFF2-40B4-BE49-F238E27FC236}">
+                <a16:creationId xmlns:a16="http://schemas.microsoft.com/office/drawing/2014/main" id="{01E01DAD-A6D1-9785-3F47-03A0D25D1BDB}"/>
+              </a:ext>
+            </a:extLst>
+          </p:cNvPr>
+          <p:cNvSpPr/>
+          <p:nvPr/>
+        </p:nvSpPr>
+        <p:spPr>
+          <a:xfrm>
+            <a:off x="8101808" y="2097742"/>
+            <a:ext cx="3425311" cy="1715247"/>
+          </a:xfrm>
+          <a:prstGeom prst="roundRect">
+            <a:avLst/>
+          </a:prstGeom>
+          <a:solidFill>
+            <a:schemeClr val="accent5">
+              <a:lumMod val="20000"/>
+              <a:lumOff val="80000"/>
+            </a:schemeClr>
+          </a:solidFill>
+          <a:ln>
+            <a:noFill/>
+          </a:ln>
+        </p:spPr>
+        <p:style>
+          <a:lnRef idx="2">
+            <a:schemeClr val="accent1">
+              <a:shade val="15000"/>
+            </a:schemeClr>
+          </a:lnRef>
+          <a:fillRef idx="1">
+            <a:schemeClr val="accent1"/>
+          </a:fillRef>
+          <a:effectRef idx="0">
+            <a:schemeClr val="accent1"/>
+          </a:effectRef>
+          <a:fontRef idx="minor">
+            <a:schemeClr val="lt1"/>
+          </a:fontRef>
+        </p:style>
+        <p:txBody>
+          <a:bodyPr rtlCol="0" anchor="ctr"/>
+          <a:lstStyle/>
+          <a:p>
+            <a:r>
+              <a:rPr lang="en-US" b="1" dirty="0">
+                <a:solidFill>
+                  <a:schemeClr val="tx1"/>
+                </a:solidFill>
+              </a:rPr>
+              <a:t>Data Visualizations</a:t>
+            </a:r>
+          </a:p>
+          <a:p>
+            <a:pPr marL="285750" indent="-285750">
+              <a:buFont typeface="Arial" panose="020B0604020202020204" pitchFamily="34" charset="0"/>
+              <a:buChar char="•"/>
+            </a:pPr>
+            <a:r>
+              <a:rPr lang="en-US" dirty="0">
+                <a:solidFill>
+                  <a:schemeClr val="tx1"/>
+                </a:solidFill>
+              </a:rPr>
+              <a:t>Create interactive graphs that allow users to explore the trends and relationships in the data.</a:t>
+            </a:r>
+          </a:p>
+        </p:txBody>
+      </p:sp>
+      <p:sp>
+        <p:nvSpPr>
+          <p:cNvPr id="109" name="Rectangle: Rounded Corners 108">
+            <a:extLst>
+              <a:ext uri="{FF2B5EF4-FFF2-40B4-BE49-F238E27FC236}">
+                <a16:creationId xmlns:a16="http://schemas.microsoft.com/office/drawing/2014/main" id="{CEFC1468-6F9F-AB73-0D9C-C7C0CD90B5F1}"/>
+              </a:ext>
+            </a:extLst>
+          </p:cNvPr>
+          <p:cNvSpPr/>
+          <p:nvPr/>
+        </p:nvSpPr>
+        <p:spPr>
+          <a:xfrm>
+            <a:off x="8099043" y="3902635"/>
+            <a:ext cx="3430842" cy="2163483"/>
+          </a:xfrm>
+          <a:prstGeom prst="roundRect">
+            <a:avLst/>
+          </a:prstGeom>
+          <a:solidFill>
+            <a:schemeClr val="accent5">
+              <a:lumMod val="20000"/>
+              <a:lumOff val="80000"/>
+            </a:schemeClr>
+          </a:solidFill>
+          <a:ln>
+            <a:noFill/>
+          </a:ln>
+        </p:spPr>
+        <p:style>
+          <a:lnRef idx="2">
+            <a:schemeClr val="accent1">
+              <a:shade val="15000"/>
+            </a:schemeClr>
+          </a:lnRef>
+          <a:fillRef idx="1">
+            <a:schemeClr val="accent1"/>
+          </a:fillRef>
+          <a:effectRef idx="0">
+            <a:schemeClr val="accent1"/>
+          </a:effectRef>
+          <a:fontRef idx="minor">
+            <a:schemeClr val="lt1"/>
+          </a:fontRef>
+        </p:style>
+        <p:txBody>
+          <a:bodyPr rtlCol="0" anchor="ctr"/>
+          <a:lstStyle/>
+          <a:p>
+            <a:r>
+              <a:rPr lang="en-US" b="1" dirty="0">
+                <a:solidFill>
+                  <a:schemeClr val="tx1"/>
+                </a:solidFill>
+              </a:rPr>
+              <a:t>Prediction</a:t>
+            </a:r>
+          </a:p>
+          <a:p>
+            <a:pPr marL="285750" indent="-285750">
+              <a:buFont typeface="Arial" panose="020B0604020202020204" pitchFamily="34" charset="0"/>
+              <a:buChar char="•"/>
+            </a:pPr>
+            <a:r>
+              <a:rPr lang="en-US" dirty="0">
+                <a:solidFill>
+                  <a:schemeClr val="tx1"/>
+                </a:solidFill>
+              </a:rPr>
+              <a:t>Use statistical models to predict sensor measurements and allow the user to make informed decisions regarding crop management.</a:t>
+            </a:r>
+          </a:p>
+        </p:txBody>
+      </p:sp>
+      <p:cxnSp>
+        <p:nvCxnSpPr>
+          <p:cNvPr id="134" name="Straight Arrow Connector 133">
+            <a:extLst>
+              <a:ext uri="{FF2B5EF4-FFF2-40B4-BE49-F238E27FC236}">
+                <a16:creationId xmlns:a16="http://schemas.microsoft.com/office/drawing/2014/main" id="{CAD5BA53-31C1-50E0-5491-C2E16C2906AC}"/>
+              </a:ext>
+            </a:extLst>
+          </p:cNvPr>
+          <p:cNvCxnSpPr>
+            <a:stCxn id="96" idx="3"/>
+            <a:endCxn id="108" idx="1"/>
+          </p:cNvCxnSpPr>
+          <p:nvPr/>
+        </p:nvCxnSpPr>
+        <p:spPr>
+          <a:xfrm flipV="1">
+            <a:off x="7752429" y="2955366"/>
+            <a:ext cx="349379" cy="1120588"/>
+          </a:xfrm>
+          <a:prstGeom prst="straightConnector1">
+            <a:avLst/>
+          </a:prstGeom>
+          <a:ln>
+            <a:tailEnd type="triangle"/>
+          </a:ln>
+        </p:spPr>
+        <p:style>
+          <a:lnRef idx="2">
+            <a:schemeClr val="dk1"/>
+          </a:lnRef>
+          <a:fillRef idx="0">
+            <a:schemeClr val="dk1"/>
+          </a:fillRef>
+          <a:effectRef idx="1">
+            <a:schemeClr val="dk1"/>
+          </a:effectRef>
+          <a:fontRef idx="minor">
+            <a:schemeClr val="tx1"/>
+          </a:fontRef>
+        </p:style>
+      </p:cxnSp>
+      <p:cxnSp>
+        <p:nvCxnSpPr>
+          <p:cNvPr id="136" name="Straight Arrow Connector 135">
+            <a:extLst>
+              <a:ext uri="{FF2B5EF4-FFF2-40B4-BE49-F238E27FC236}">
+                <a16:creationId xmlns:a16="http://schemas.microsoft.com/office/drawing/2014/main" id="{6600CF5E-2E1D-49CF-0446-B9F5130E7B7A}"/>
+              </a:ext>
+            </a:extLst>
+          </p:cNvPr>
+          <p:cNvCxnSpPr>
+            <a:stCxn id="96" idx="3"/>
+            <a:endCxn id="109" idx="1"/>
+          </p:cNvCxnSpPr>
+          <p:nvPr/>
+        </p:nvCxnSpPr>
+        <p:spPr>
+          <a:xfrm>
+            <a:off x="7752429" y="4075954"/>
+            <a:ext cx="346614" cy="908423"/>
+          </a:xfrm>
+          <a:prstGeom prst="straightConnector1">
+            <a:avLst/>
+          </a:prstGeom>
+          <a:ln>
+            <a:tailEnd type="triangle"/>
+          </a:ln>
+        </p:spPr>
+        <p:style>
+          <a:lnRef idx="2">
+            <a:schemeClr val="dk1"/>
+          </a:lnRef>
+          <a:fillRef idx="0">
+            <a:schemeClr val="dk1"/>
+          </a:fillRef>
+          <a:effectRef idx="1">
+            <a:schemeClr val="dk1"/>
+          </a:effectRef>
+          <a:fontRef idx="minor">
+            <a:schemeClr val="tx1"/>
+          </a:fontRef>
+        </p:style>
+      </p:cxnSp>
     </p:spTree>
     <p:extLst>
       <p:ext uri="{BB962C8B-B14F-4D97-AF65-F5344CB8AC3E}">
@@ -3617,10 +4665,963 @@
 </p:sld>
 </file>
 
+<file path=ppt/slides/slide3.xml><?xml version="1.0" encoding="utf-8"?>
+<p:sld xmlns:a="http://schemas.openxmlformats.org/drawingml/2006/main" xmlns:r="http://schemas.openxmlformats.org/officeDocument/2006/relationships" xmlns:p="http://schemas.openxmlformats.org/presentationml/2006/main">
+  <p:cSld>
+    <p:spTree>
+      <p:nvGrpSpPr>
+        <p:cNvPr id="1" name="">
+          <a:extLst>
+            <a:ext uri="{FF2B5EF4-FFF2-40B4-BE49-F238E27FC236}">
+              <a16:creationId xmlns:a16="http://schemas.microsoft.com/office/drawing/2014/main" id="{E0AD48C7-D4DF-0DB6-2CD3-FAB52FCF4DAE}"/>
+            </a:ext>
+          </a:extLst>
+        </p:cNvPr>
+        <p:cNvGrpSpPr/>
+        <p:nvPr/>
+      </p:nvGrpSpPr>
+      <p:grpSpPr>
+        <a:xfrm>
+          <a:off x="0" y="0"/>
+          <a:ext cx="0" cy="0"/>
+          <a:chOff x="0" y="0"/>
+          <a:chExt cx="0" cy="0"/>
+        </a:xfrm>
+      </p:grpSpPr>
+      <p:sp>
+        <p:nvSpPr>
+          <p:cNvPr id="2" name="Title 1">
+            <a:extLst>
+              <a:ext uri="{FF2B5EF4-FFF2-40B4-BE49-F238E27FC236}">
+                <a16:creationId xmlns:a16="http://schemas.microsoft.com/office/drawing/2014/main" id="{4EBB6F3E-3531-12D0-51BD-0E2183A09FE1}"/>
+              </a:ext>
+            </a:extLst>
+          </p:cNvPr>
+          <p:cNvSpPr>
+            <a:spLocks noGrp="1"/>
+          </p:cNvSpPr>
+          <p:nvPr>
+            <p:ph type="title"/>
+          </p:nvPr>
+        </p:nvSpPr>
+        <p:spPr>
+          <a:xfrm>
+            <a:off x="838200" y="365125"/>
+            <a:ext cx="10515600" cy="1152779"/>
+          </a:xfrm>
+        </p:spPr>
+        <p:txBody>
+          <a:bodyPr/>
+          <a:lstStyle/>
+          <a:p>
+            <a:r>
+              <a:rPr lang="en-US" dirty="0"/>
+              <a:t>Dashboard workflow</a:t>
+            </a:r>
+          </a:p>
+        </p:txBody>
+      </p:sp>
+      <p:sp>
+        <p:nvSpPr>
+          <p:cNvPr id="6" name="Rectangle: Rounded Corners 5">
+            <a:extLst>
+              <a:ext uri="{FF2B5EF4-FFF2-40B4-BE49-F238E27FC236}">
+                <a16:creationId xmlns:a16="http://schemas.microsoft.com/office/drawing/2014/main" id="{E918EC39-413D-F424-8BBE-B87770111D19}"/>
+              </a:ext>
+            </a:extLst>
+          </p:cNvPr>
+          <p:cNvSpPr/>
+          <p:nvPr/>
+        </p:nvSpPr>
+        <p:spPr>
+          <a:xfrm>
+            <a:off x="628455" y="1340828"/>
+            <a:ext cx="1798918" cy="914400"/>
+          </a:xfrm>
+          <a:prstGeom prst="roundRect">
+            <a:avLst/>
+          </a:prstGeom>
+          <a:solidFill>
+            <a:schemeClr val="accent4"/>
+          </a:solidFill>
+          <a:ln>
+            <a:noFill/>
+          </a:ln>
+        </p:spPr>
+        <p:style>
+          <a:lnRef idx="0">
+            <a:scrgbClr r="0" g="0" b="0"/>
+          </a:lnRef>
+          <a:fillRef idx="0">
+            <a:scrgbClr r="0" g="0" b="0"/>
+          </a:fillRef>
+          <a:effectRef idx="0">
+            <a:scrgbClr r="0" g="0" b="0"/>
+          </a:effectRef>
+          <a:fontRef idx="minor">
+            <a:schemeClr val="lt1"/>
+          </a:fontRef>
+        </p:style>
+        <p:txBody>
+          <a:bodyPr rtlCol="0" anchor="ctr"/>
+          <a:lstStyle/>
+          <a:p>
+            <a:pPr algn="ctr"/>
+            <a:r>
+              <a:rPr lang="en-US" dirty="0"/>
+              <a:t>Data Sets</a:t>
+            </a:r>
+          </a:p>
+        </p:txBody>
+      </p:sp>
+      <p:sp>
+        <p:nvSpPr>
+          <p:cNvPr id="7" name="Rectangle: Rounded Corners 6">
+            <a:extLst>
+              <a:ext uri="{FF2B5EF4-FFF2-40B4-BE49-F238E27FC236}">
+                <a16:creationId xmlns:a16="http://schemas.microsoft.com/office/drawing/2014/main" id="{A532D298-F23E-F3C7-1238-C4FEF54FAD6A}"/>
+              </a:ext>
+            </a:extLst>
+          </p:cNvPr>
+          <p:cNvSpPr/>
+          <p:nvPr/>
+        </p:nvSpPr>
+        <p:spPr>
+          <a:xfrm>
+            <a:off x="628456" y="2470419"/>
+            <a:ext cx="1798918" cy="1300734"/>
+          </a:xfrm>
+          <a:prstGeom prst="roundRect">
+            <a:avLst/>
+          </a:prstGeom>
+          <a:solidFill>
+            <a:schemeClr val="accent3"/>
+          </a:solidFill>
+          <a:ln>
+            <a:noFill/>
+          </a:ln>
+        </p:spPr>
+        <p:style>
+          <a:lnRef idx="0">
+            <a:scrgbClr r="0" g="0" b="0"/>
+          </a:lnRef>
+          <a:fillRef idx="0">
+            <a:scrgbClr r="0" g="0" b="0"/>
+          </a:fillRef>
+          <a:effectRef idx="0">
+            <a:scrgbClr r="0" g="0" b="0"/>
+          </a:effectRef>
+          <a:fontRef idx="minor">
+            <a:schemeClr val="lt1"/>
+          </a:fontRef>
+        </p:style>
+        <p:txBody>
+          <a:bodyPr rtlCol="0" anchor="ctr"/>
+          <a:lstStyle/>
+          <a:p>
+            <a:pPr algn="ctr"/>
+            <a:r>
+              <a:rPr lang="en-US" dirty="0"/>
+              <a:t>Data Processing</a:t>
+            </a:r>
+          </a:p>
+        </p:txBody>
+      </p:sp>
+      <p:sp>
+        <p:nvSpPr>
+          <p:cNvPr id="8" name="Rectangle: Rounded Corners 7">
+            <a:extLst>
+              <a:ext uri="{FF2B5EF4-FFF2-40B4-BE49-F238E27FC236}">
+                <a16:creationId xmlns:a16="http://schemas.microsoft.com/office/drawing/2014/main" id="{62F07006-92A3-C95F-0036-CB2C0610234E}"/>
+              </a:ext>
+            </a:extLst>
+          </p:cNvPr>
+          <p:cNvSpPr/>
+          <p:nvPr/>
+        </p:nvSpPr>
+        <p:spPr>
+          <a:xfrm>
+            <a:off x="628455" y="3986345"/>
+            <a:ext cx="1798918" cy="2500514"/>
+          </a:xfrm>
+          <a:prstGeom prst="roundRect">
+            <a:avLst/>
+          </a:prstGeom>
+          <a:solidFill>
+            <a:schemeClr val="accent5"/>
+          </a:solidFill>
+          <a:ln>
+            <a:noFill/>
+          </a:ln>
+        </p:spPr>
+        <p:style>
+          <a:lnRef idx="0">
+            <a:scrgbClr r="0" g="0" b="0"/>
+          </a:lnRef>
+          <a:fillRef idx="0">
+            <a:scrgbClr r="0" g="0" b="0"/>
+          </a:fillRef>
+          <a:effectRef idx="0">
+            <a:scrgbClr r="0" g="0" b="0"/>
+          </a:effectRef>
+          <a:fontRef idx="minor">
+            <a:schemeClr val="lt1"/>
+          </a:fontRef>
+        </p:style>
+        <p:txBody>
+          <a:bodyPr rtlCol="0" anchor="ctr"/>
+          <a:lstStyle/>
+          <a:p>
+            <a:pPr algn="ctr"/>
+            <a:r>
+              <a:rPr lang="en-US" dirty="0"/>
+              <a:t>Dashboard Creation</a:t>
+            </a:r>
+          </a:p>
+        </p:txBody>
+      </p:sp>
+      <p:sp>
+        <p:nvSpPr>
+          <p:cNvPr id="9" name="Rectangle: Rounded Corners 8">
+            <a:extLst>
+              <a:ext uri="{FF2B5EF4-FFF2-40B4-BE49-F238E27FC236}">
+                <a16:creationId xmlns:a16="http://schemas.microsoft.com/office/drawing/2014/main" id="{A8E659E7-DE51-6D37-9C4C-69AA1BCF766F}"/>
+              </a:ext>
+            </a:extLst>
+          </p:cNvPr>
+          <p:cNvSpPr/>
+          <p:nvPr/>
+        </p:nvSpPr>
+        <p:spPr>
+          <a:xfrm>
+            <a:off x="2542419" y="1346111"/>
+            <a:ext cx="4152153" cy="912131"/>
+          </a:xfrm>
+          <a:prstGeom prst="roundRect">
+            <a:avLst/>
+          </a:prstGeom>
+          <a:solidFill>
+            <a:schemeClr val="accent4">
+              <a:lumMod val="20000"/>
+              <a:lumOff val="80000"/>
+            </a:schemeClr>
+          </a:solidFill>
+          <a:ln>
+            <a:noFill/>
+          </a:ln>
+        </p:spPr>
+        <p:style>
+          <a:lnRef idx="2">
+            <a:schemeClr val="accent1">
+              <a:shade val="15000"/>
+            </a:schemeClr>
+          </a:lnRef>
+          <a:fillRef idx="1">
+            <a:schemeClr val="accent1"/>
+          </a:fillRef>
+          <a:effectRef idx="0">
+            <a:schemeClr val="accent1"/>
+          </a:effectRef>
+          <a:fontRef idx="minor">
+            <a:schemeClr val="lt1"/>
+          </a:fontRef>
+        </p:style>
+        <p:txBody>
+          <a:bodyPr rtlCol="0" anchor="ctr"/>
+          <a:lstStyle/>
+          <a:p>
+            <a:r>
+              <a:rPr lang="en-US" b="1" dirty="0">
+                <a:solidFill>
+                  <a:schemeClr val="tx1"/>
+                </a:solidFill>
+              </a:rPr>
+              <a:t>CropX, </a:t>
+            </a:r>
+            <a:r>
+              <a:rPr lang="en-US" b="1" dirty="0" err="1">
+                <a:solidFill>
+                  <a:schemeClr val="tx1"/>
+                </a:solidFill>
+              </a:rPr>
+              <a:t>AquaSpy</a:t>
+            </a:r>
+            <a:r>
+              <a:rPr lang="en-US" b="1" dirty="0">
+                <a:solidFill>
+                  <a:schemeClr val="tx1"/>
+                </a:solidFill>
+              </a:rPr>
+              <a:t>, and </a:t>
+            </a:r>
+            <a:r>
+              <a:rPr lang="en-US" b="1" dirty="0" err="1">
+                <a:solidFill>
+                  <a:schemeClr val="tx1"/>
+                </a:solidFill>
+              </a:rPr>
+              <a:t>Sentek</a:t>
+            </a:r>
+            <a:r>
+              <a:rPr lang="en-US" b="1" dirty="0">
+                <a:solidFill>
+                  <a:schemeClr val="tx1"/>
+                </a:solidFill>
+              </a:rPr>
+              <a:t> Sensors</a:t>
+            </a:r>
+          </a:p>
+          <a:p>
+            <a:pPr marL="285750" indent="-285750">
+              <a:buFont typeface="Arial" panose="020B0604020202020204" pitchFamily="34" charset="0"/>
+              <a:buChar char="•"/>
+            </a:pPr>
+            <a:r>
+              <a:rPr lang="en-US" dirty="0">
+                <a:solidFill>
+                  <a:schemeClr val="tx1"/>
+                </a:solidFill>
+              </a:rPr>
+              <a:t>Soil moisture</a:t>
+            </a:r>
+          </a:p>
+          <a:p>
+            <a:pPr marL="285750" indent="-285750">
+              <a:buFont typeface="Arial" panose="020B0604020202020204" pitchFamily="34" charset="0"/>
+              <a:buChar char="•"/>
+            </a:pPr>
+            <a:r>
+              <a:rPr lang="en-US" dirty="0">
+                <a:solidFill>
+                  <a:schemeClr val="tx1"/>
+                </a:solidFill>
+              </a:rPr>
+              <a:t>Soil temperature</a:t>
+            </a:r>
+          </a:p>
+        </p:txBody>
+      </p:sp>
+      <p:sp>
+        <p:nvSpPr>
+          <p:cNvPr id="10" name="Rectangle: Rounded Corners 9">
+            <a:extLst>
+              <a:ext uri="{FF2B5EF4-FFF2-40B4-BE49-F238E27FC236}">
+                <a16:creationId xmlns:a16="http://schemas.microsoft.com/office/drawing/2014/main" id="{8A57D14F-5BCE-FB58-019B-FCB014A6AC11}"/>
+              </a:ext>
+            </a:extLst>
+          </p:cNvPr>
+          <p:cNvSpPr/>
+          <p:nvPr/>
+        </p:nvSpPr>
+        <p:spPr>
+          <a:xfrm>
+            <a:off x="6809618" y="1340828"/>
+            <a:ext cx="2293471" cy="914400"/>
+          </a:xfrm>
+          <a:prstGeom prst="roundRect">
+            <a:avLst/>
+          </a:prstGeom>
+          <a:solidFill>
+            <a:schemeClr val="accent4">
+              <a:lumMod val="20000"/>
+              <a:lumOff val="80000"/>
+            </a:schemeClr>
+          </a:solidFill>
+          <a:ln>
+            <a:noFill/>
+          </a:ln>
+        </p:spPr>
+        <p:style>
+          <a:lnRef idx="2">
+            <a:schemeClr val="accent1">
+              <a:shade val="15000"/>
+            </a:schemeClr>
+          </a:lnRef>
+          <a:fillRef idx="1">
+            <a:schemeClr val="accent1"/>
+          </a:fillRef>
+          <a:effectRef idx="0">
+            <a:schemeClr val="accent1"/>
+          </a:effectRef>
+          <a:fontRef idx="minor">
+            <a:schemeClr val="lt1"/>
+          </a:fontRef>
+        </p:style>
+        <p:txBody>
+          <a:bodyPr rtlCol="0" anchor="ctr"/>
+          <a:lstStyle/>
+          <a:p>
+            <a:r>
+              <a:rPr lang="en-US" b="1" dirty="0" err="1">
+                <a:solidFill>
+                  <a:schemeClr val="tx1"/>
+                </a:solidFill>
+              </a:rPr>
+              <a:t>Mesonet</a:t>
+            </a:r>
+            <a:r>
+              <a:rPr lang="en-US" b="1" dirty="0">
+                <a:solidFill>
+                  <a:schemeClr val="tx1"/>
+                </a:solidFill>
+              </a:rPr>
+              <a:t> Data</a:t>
+            </a:r>
+          </a:p>
+          <a:p>
+            <a:pPr marL="285750" indent="-285750">
+              <a:buFont typeface="Arial" panose="020B0604020202020204" pitchFamily="34" charset="0"/>
+              <a:buChar char="•"/>
+            </a:pPr>
+            <a:r>
+              <a:rPr lang="en-US" dirty="0">
+                <a:solidFill>
+                  <a:schemeClr val="tx1"/>
+                </a:solidFill>
+              </a:rPr>
+              <a:t>Temperature</a:t>
+            </a:r>
+          </a:p>
+          <a:p>
+            <a:pPr marL="285750" indent="-285750">
+              <a:buFont typeface="Arial" panose="020B0604020202020204" pitchFamily="34" charset="0"/>
+              <a:buChar char="•"/>
+            </a:pPr>
+            <a:r>
+              <a:rPr lang="en-US" dirty="0">
+                <a:solidFill>
+                  <a:schemeClr val="tx1"/>
+                </a:solidFill>
+              </a:rPr>
+              <a:t>Precipitation</a:t>
+            </a:r>
+          </a:p>
+        </p:txBody>
+      </p:sp>
+      <p:sp>
+        <p:nvSpPr>
+          <p:cNvPr id="11" name="Rectangle: Rounded Corners 10">
+            <a:extLst>
+              <a:ext uri="{FF2B5EF4-FFF2-40B4-BE49-F238E27FC236}">
+                <a16:creationId xmlns:a16="http://schemas.microsoft.com/office/drawing/2014/main" id="{266D2A8F-E6AF-8ACB-2A89-AE402E28547D}"/>
+              </a:ext>
+            </a:extLst>
+          </p:cNvPr>
+          <p:cNvSpPr/>
+          <p:nvPr/>
+        </p:nvSpPr>
+        <p:spPr>
+          <a:xfrm>
+            <a:off x="9218135" y="1340828"/>
+            <a:ext cx="2418976" cy="914400"/>
+          </a:xfrm>
+          <a:prstGeom prst="roundRect">
+            <a:avLst/>
+          </a:prstGeom>
+          <a:solidFill>
+            <a:schemeClr val="accent4">
+              <a:lumMod val="20000"/>
+              <a:lumOff val="80000"/>
+            </a:schemeClr>
+          </a:solidFill>
+          <a:ln>
+            <a:noFill/>
+          </a:ln>
+        </p:spPr>
+        <p:style>
+          <a:lnRef idx="2">
+            <a:schemeClr val="accent1">
+              <a:shade val="15000"/>
+            </a:schemeClr>
+          </a:lnRef>
+          <a:fillRef idx="1">
+            <a:schemeClr val="accent1"/>
+          </a:fillRef>
+          <a:effectRef idx="0">
+            <a:schemeClr val="accent1"/>
+          </a:effectRef>
+          <a:fontRef idx="minor">
+            <a:schemeClr val="lt1"/>
+          </a:fontRef>
+        </p:style>
+        <p:txBody>
+          <a:bodyPr rtlCol="0" anchor="t"/>
+          <a:lstStyle/>
+          <a:p>
+            <a:r>
+              <a:rPr lang="en-US" b="1" dirty="0">
+                <a:solidFill>
+                  <a:schemeClr val="tx1"/>
+                </a:solidFill>
+              </a:rPr>
+              <a:t>Management Data</a:t>
+            </a:r>
+          </a:p>
+          <a:p>
+            <a:pPr marL="285750" indent="-285750">
+              <a:buFont typeface="Arial" panose="020B0604020202020204" pitchFamily="34" charset="0"/>
+              <a:buChar char="•"/>
+            </a:pPr>
+            <a:r>
+              <a:rPr lang="en-US" dirty="0">
+                <a:solidFill>
+                  <a:schemeClr val="tx1"/>
+                </a:solidFill>
+              </a:rPr>
+              <a:t>Irrigation Amounts</a:t>
+            </a:r>
+          </a:p>
+          <a:p>
+            <a:endParaRPr lang="en-US" dirty="0">
+              <a:solidFill>
+                <a:schemeClr val="tx1"/>
+              </a:solidFill>
+            </a:endParaRPr>
+          </a:p>
+        </p:txBody>
+      </p:sp>
+      <p:sp>
+        <p:nvSpPr>
+          <p:cNvPr id="12" name="Rectangle: Rounded Corners 11">
+            <a:extLst>
+              <a:ext uri="{FF2B5EF4-FFF2-40B4-BE49-F238E27FC236}">
+                <a16:creationId xmlns:a16="http://schemas.microsoft.com/office/drawing/2014/main" id="{FC57398F-1E34-BFDC-FCED-A58ECBEE76BD}"/>
+              </a:ext>
+            </a:extLst>
+          </p:cNvPr>
+          <p:cNvSpPr/>
+          <p:nvPr/>
+        </p:nvSpPr>
+        <p:spPr>
+          <a:xfrm>
+            <a:off x="2542419" y="2470419"/>
+            <a:ext cx="9094692" cy="1252922"/>
+          </a:xfrm>
+          <a:prstGeom prst="roundRect">
+            <a:avLst/>
+          </a:prstGeom>
+          <a:solidFill>
+            <a:schemeClr val="accent3">
+              <a:lumMod val="20000"/>
+              <a:lumOff val="80000"/>
+            </a:schemeClr>
+          </a:solidFill>
+          <a:ln>
+            <a:noFill/>
+          </a:ln>
+        </p:spPr>
+        <p:style>
+          <a:lnRef idx="2">
+            <a:schemeClr val="accent1">
+              <a:shade val="15000"/>
+            </a:schemeClr>
+          </a:lnRef>
+          <a:fillRef idx="1">
+            <a:schemeClr val="accent1"/>
+          </a:fillRef>
+          <a:effectRef idx="0">
+            <a:schemeClr val="accent1"/>
+          </a:effectRef>
+          <a:fontRef idx="minor">
+            <a:schemeClr val="lt1"/>
+          </a:fontRef>
+        </p:style>
+        <p:txBody>
+          <a:bodyPr rtlCol="0" anchor="ctr"/>
+          <a:lstStyle/>
+          <a:p>
+            <a:pPr marL="285750" indent="-285750">
+              <a:buFont typeface="Arial" panose="020B0604020202020204" pitchFamily="34" charset="0"/>
+              <a:buChar char="•"/>
+            </a:pPr>
+            <a:r>
+              <a:rPr lang="en-US" dirty="0">
+                <a:solidFill>
+                  <a:schemeClr val="tx1"/>
+                </a:solidFill>
+              </a:rPr>
+              <a:t>Use R Programming to input data and summarize by day and week</a:t>
+            </a:r>
+          </a:p>
+          <a:p>
+            <a:pPr marL="285750" indent="-285750">
+              <a:buFont typeface="Arial" panose="020B0604020202020204" pitchFamily="34" charset="0"/>
+              <a:buChar char="•"/>
+            </a:pPr>
+            <a:r>
+              <a:rPr lang="en-US" dirty="0">
+                <a:solidFill>
+                  <a:schemeClr val="tx1"/>
+                </a:solidFill>
+              </a:rPr>
+              <a:t>Summarize all data sources by day and week</a:t>
+            </a:r>
+          </a:p>
+          <a:p>
+            <a:pPr marL="285750" indent="-285750">
+              <a:buFont typeface="Arial" panose="020B0604020202020204" pitchFamily="34" charset="0"/>
+              <a:buChar char="•"/>
+            </a:pPr>
+            <a:r>
+              <a:rPr lang="en-US" dirty="0">
+                <a:solidFill>
+                  <a:schemeClr val="tx1"/>
+                </a:solidFill>
+              </a:rPr>
+              <a:t>Combine all data summaries into a single dataset that is used in the dashboard</a:t>
+            </a:r>
+          </a:p>
+        </p:txBody>
+      </p:sp>
+      <p:sp>
+        <p:nvSpPr>
+          <p:cNvPr id="13" name="Rectangle: Rounded Corners 12">
+            <a:extLst>
+              <a:ext uri="{FF2B5EF4-FFF2-40B4-BE49-F238E27FC236}">
+                <a16:creationId xmlns:a16="http://schemas.microsoft.com/office/drawing/2014/main" id="{01D6D72F-4E28-C225-F217-6DE7225BCA18}"/>
+              </a:ext>
+            </a:extLst>
+          </p:cNvPr>
+          <p:cNvSpPr/>
+          <p:nvPr/>
+        </p:nvSpPr>
+        <p:spPr>
+          <a:xfrm>
+            <a:off x="2542419" y="3986345"/>
+            <a:ext cx="9094692" cy="643178"/>
+          </a:xfrm>
+          <a:prstGeom prst="roundRect">
+            <a:avLst/>
+          </a:prstGeom>
+          <a:solidFill>
+            <a:schemeClr val="accent5">
+              <a:lumMod val="20000"/>
+              <a:lumOff val="80000"/>
+            </a:schemeClr>
+          </a:solidFill>
+          <a:ln>
+            <a:noFill/>
+          </a:ln>
+        </p:spPr>
+        <p:style>
+          <a:lnRef idx="2">
+            <a:schemeClr val="accent1">
+              <a:shade val="15000"/>
+            </a:schemeClr>
+          </a:lnRef>
+          <a:fillRef idx="1">
+            <a:schemeClr val="accent1"/>
+          </a:fillRef>
+          <a:effectRef idx="0">
+            <a:schemeClr val="accent1"/>
+          </a:effectRef>
+          <a:fontRef idx="minor">
+            <a:schemeClr val="lt1"/>
+          </a:fontRef>
+        </p:style>
+        <p:txBody>
+          <a:bodyPr rtlCol="0" anchor="ctr"/>
+          <a:lstStyle/>
+          <a:p>
+            <a:pPr marL="285750" indent="-285750">
+              <a:buFont typeface="Arial" panose="020B0604020202020204" pitchFamily="34" charset="0"/>
+              <a:buChar char="•"/>
+            </a:pPr>
+            <a:r>
+              <a:rPr lang="en-US" dirty="0">
+                <a:solidFill>
+                  <a:schemeClr val="tx1"/>
+                </a:solidFill>
+              </a:rPr>
+              <a:t>Use R Programming and Shiny to create a dashboard framework</a:t>
+            </a:r>
+          </a:p>
+        </p:txBody>
+      </p:sp>
+      <p:sp>
+        <p:nvSpPr>
+          <p:cNvPr id="14" name="Rectangle: Rounded Corners 13">
+            <a:extLst>
+              <a:ext uri="{FF2B5EF4-FFF2-40B4-BE49-F238E27FC236}">
+                <a16:creationId xmlns:a16="http://schemas.microsoft.com/office/drawing/2014/main" id="{1352B47E-2655-2386-449B-8EF8EFA90CFD}"/>
+              </a:ext>
+            </a:extLst>
+          </p:cNvPr>
+          <p:cNvSpPr/>
+          <p:nvPr/>
+        </p:nvSpPr>
+        <p:spPr>
+          <a:xfrm>
+            <a:off x="2542418" y="4748345"/>
+            <a:ext cx="4453128" cy="1738514"/>
+          </a:xfrm>
+          <a:prstGeom prst="roundRect">
+            <a:avLst/>
+          </a:prstGeom>
+          <a:solidFill>
+            <a:schemeClr val="accent5">
+              <a:lumMod val="20000"/>
+              <a:lumOff val="80000"/>
+            </a:schemeClr>
+          </a:solidFill>
+          <a:ln>
+            <a:noFill/>
+          </a:ln>
+        </p:spPr>
+        <p:style>
+          <a:lnRef idx="2">
+            <a:schemeClr val="accent1">
+              <a:shade val="15000"/>
+            </a:schemeClr>
+          </a:lnRef>
+          <a:fillRef idx="1">
+            <a:schemeClr val="accent1"/>
+          </a:fillRef>
+          <a:effectRef idx="0">
+            <a:schemeClr val="accent1"/>
+          </a:effectRef>
+          <a:fontRef idx="minor">
+            <a:schemeClr val="lt1"/>
+          </a:fontRef>
+        </p:style>
+        <p:txBody>
+          <a:bodyPr rtlCol="0" anchor="ctr"/>
+          <a:lstStyle/>
+          <a:p>
+            <a:r>
+              <a:rPr lang="en-US" b="1" dirty="0">
+                <a:solidFill>
+                  <a:schemeClr val="tx1"/>
+                </a:solidFill>
+              </a:rPr>
+              <a:t>Data Visualization</a:t>
+            </a:r>
+          </a:p>
+          <a:p>
+            <a:pPr marL="285750" indent="-285750">
+              <a:buFont typeface="Arial" panose="020B0604020202020204" pitchFamily="34" charset="0"/>
+              <a:buChar char="•"/>
+            </a:pPr>
+            <a:r>
+              <a:rPr lang="en-US" dirty="0">
+                <a:solidFill>
+                  <a:schemeClr val="tx1"/>
+                </a:solidFill>
+              </a:rPr>
+              <a:t>Create interactive graphs that allow users to explore the trends and relationships in the combined dataset</a:t>
+            </a:r>
+          </a:p>
+        </p:txBody>
+      </p:sp>
+      <p:sp>
+        <p:nvSpPr>
+          <p:cNvPr id="15" name="Rectangle: Rounded Corners 14">
+            <a:extLst>
+              <a:ext uri="{FF2B5EF4-FFF2-40B4-BE49-F238E27FC236}">
+                <a16:creationId xmlns:a16="http://schemas.microsoft.com/office/drawing/2014/main" id="{4E76CF54-96DB-47CF-55D4-504759A810C0}"/>
+              </a:ext>
+            </a:extLst>
+          </p:cNvPr>
+          <p:cNvSpPr/>
+          <p:nvPr/>
+        </p:nvSpPr>
+        <p:spPr>
+          <a:xfrm>
+            <a:off x="7183718" y="4754361"/>
+            <a:ext cx="4453393" cy="1738514"/>
+          </a:xfrm>
+          <a:prstGeom prst="roundRect">
+            <a:avLst/>
+          </a:prstGeom>
+          <a:solidFill>
+            <a:schemeClr val="accent5">
+              <a:lumMod val="20000"/>
+              <a:lumOff val="80000"/>
+            </a:schemeClr>
+          </a:solidFill>
+          <a:ln>
+            <a:noFill/>
+          </a:ln>
+        </p:spPr>
+        <p:style>
+          <a:lnRef idx="2">
+            <a:schemeClr val="accent1">
+              <a:shade val="15000"/>
+            </a:schemeClr>
+          </a:lnRef>
+          <a:fillRef idx="1">
+            <a:schemeClr val="accent1"/>
+          </a:fillRef>
+          <a:effectRef idx="0">
+            <a:schemeClr val="accent1"/>
+          </a:effectRef>
+          <a:fontRef idx="minor">
+            <a:schemeClr val="lt1"/>
+          </a:fontRef>
+        </p:style>
+        <p:txBody>
+          <a:bodyPr rtlCol="0" anchor="ctr"/>
+          <a:lstStyle/>
+          <a:p>
+            <a:r>
+              <a:rPr lang="en-US" b="1" dirty="0">
+                <a:solidFill>
+                  <a:schemeClr val="tx1"/>
+                </a:solidFill>
+              </a:rPr>
+              <a:t>Data Prediction</a:t>
+            </a:r>
+          </a:p>
+          <a:p>
+            <a:pPr marL="285750" indent="-285750">
+              <a:buFont typeface="Arial" panose="020B0604020202020204" pitchFamily="34" charset="0"/>
+              <a:buChar char="•"/>
+            </a:pPr>
+            <a:r>
+              <a:rPr lang="en-US" dirty="0">
+                <a:solidFill>
+                  <a:schemeClr val="tx1"/>
+                </a:solidFill>
+              </a:rPr>
+              <a:t>Use general additive models to create </a:t>
+            </a:r>
+            <a:r>
+              <a:rPr lang="en-US">
+                <a:solidFill>
+                  <a:schemeClr val="tx1"/>
+                </a:solidFill>
+              </a:rPr>
+              <a:t>statistical models</a:t>
+            </a:r>
+            <a:endParaRPr lang="en-US" dirty="0">
+              <a:solidFill>
+                <a:schemeClr val="tx1"/>
+              </a:solidFill>
+            </a:endParaRPr>
+          </a:p>
+        </p:txBody>
+      </p:sp>
+    </p:spTree>
+    <p:extLst>
+      <p:ext uri="{BB962C8B-B14F-4D97-AF65-F5344CB8AC3E}">
+        <p14:creationId xmlns:p14="http://schemas.microsoft.com/office/powerpoint/2010/main" val="946916274"/>
+      </p:ext>
+    </p:extLst>
+  </p:cSld>
+  <p:clrMapOvr>
+    <a:masterClrMapping/>
+  </p:clrMapOvr>
+</p:sld>
+</file>
+
+<file path=ppt/slides/slide4.xml><?xml version="1.0" encoding="utf-8"?>
+<p:sld xmlns:a="http://schemas.openxmlformats.org/drawingml/2006/main" xmlns:r="http://schemas.openxmlformats.org/officeDocument/2006/relationships" xmlns:p="http://schemas.openxmlformats.org/presentationml/2006/main">
+  <p:cSld>
+    <p:spTree>
+      <p:nvGrpSpPr>
+        <p:cNvPr id="1" name="">
+          <a:extLst>
+            <a:ext uri="{FF2B5EF4-FFF2-40B4-BE49-F238E27FC236}">
+              <a16:creationId xmlns:a16="http://schemas.microsoft.com/office/drawing/2014/main" id="{685BBA23-B469-BB66-A89B-84FFB8D741BD}"/>
+            </a:ext>
+          </a:extLst>
+        </p:cNvPr>
+        <p:cNvGrpSpPr/>
+        <p:nvPr/>
+      </p:nvGrpSpPr>
+      <p:grpSpPr>
+        <a:xfrm>
+          <a:off x="0" y="0"/>
+          <a:ext cx="0" cy="0"/>
+          <a:chOff x="0" y="0"/>
+          <a:chExt cx="0" cy="0"/>
+        </a:xfrm>
+      </p:grpSpPr>
+      <p:sp>
+        <p:nvSpPr>
+          <p:cNvPr id="2" name="Title 1">
+            <a:extLst>
+              <a:ext uri="{FF2B5EF4-FFF2-40B4-BE49-F238E27FC236}">
+                <a16:creationId xmlns:a16="http://schemas.microsoft.com/office/drawing/2014/main" id="{C5A6C1C6-C9D4-906E-8D02-4478398FC4A5}"/>
+              </a:ext>
+            </a:extLst>
+          </p:cNvPr>
+          <p:cNvSpPr>
+            <a:spLocks noGrp="1"/>
+          </p:cNvSpPr>
+          <p:nvPr>
+            <p:ph type="title"/>
+          </p:nvPr>
+        </p:nvSpPr>
+        <p:spPr>
+          <a:xfrm>
+            <a:off x="838200" y="365125"/>
+            <a:ext cx="10515600" cy="1152779"/>
+          </a:xfrm>
+        </p:spPr>
+        <p:txBody>
+          <a:bodyPr/>
+          <a:lstStyle/>
+          <a:p>
+            <a:r>
+              <a:rPr lang="en-US" dirty="0"/>
+              <a:t>Dashboard workflow</a:t>
+            </a:r>
+          </a:p>
+        </p:txBody>
+      </p:sp>
+      <p:sp>
+        <p:nvSpPr>
+          <p:cNvPr id="3" name="Content Placeholder 2">
+            <a:extLst>
+              <a:ext uri="{FF2B5EF4-FFF2-40B4-BE49-F238E27FC236}">
+                <a16:creationId xmlns:a16="http://schemas.microsoft.com/office/drawing/2014/main" id="{D77CA41C-C08E-B659-CB94-E43BE53C3D5B}"/>
+              </a:ext>
+            </a:extLst>
+          </p:cNvPr>
+          <p:cNvSpPr>
+            <a:spLocks noGrp="1"/>
+          </p:cNvSpPr>
+          <p:nvPr>
+            <p:ph idx="1"/>
+          </p:nvPr>
+        </p:nvSpPr>
+        <p:spPr/>
+        <p:txBody>
+          <a:bodyPr/>
+          <a:lstStyle/>
+          <a:p>
+            <a:r>
+              <a:rPr lang="en-US" b="0" i="0" dirty="0">
+                <a:solidFill>
+                  <a:srgbClr val="000000"/>
+                </a:solidFill>
+                <a:effectLst/>
+                <a:latin typeface="Aptos"/>
+              </a:rPr>
+              <a:t>Create a sketch showing dashboard input datasets, outputs, programming language, dashboard framework, and the overall data processing pipeline. Ensure the sketch is clearly visible. Focus on the main aspects of the dashboard.</a:t>
+            </a:r>
+            <a:endParaRPr lang="en-US" dirty="0"/>
+          </a:p>
+        </p:txBody>
+      </p:sp>
+    </p:spTree>
+    <p:extLst>
+      <p:ext uri="{BB962C8B-B14F-4D97-AF65-F5344CB8AC3E}">
+        <p14:creationId xmlns:p14="http://schemas.microsoft.com/office/powerpoint/2010/main" val="1566408975"/>
+      </p:ext>
+    </p:extLst>
+  </p:cSld>
+  <p:clrMapOvr>
+    <a:masterClrMapping/>
+  </p:clrMapOvr>
+</p:sld>
+</file>
+
 <file path=ppt/theme/theme1.xml><?xml version="1.0" encoding="utf-8"?>
 <a:theme xmlns:a="http://schemas.openxmlformats.org/drawingml/2006/main" name="Office Theme">
   <a:themeElements>
-    <a:clrScheme name="Office">
+    <a:clrScheme name="Office 2007 - 2010">
       <a:dk1>
         <a:sysClr val="windowText" lastClr="000000"/>
       </a:dk1>
@@ -3628,34 +5629,34 @@
         <a:sysClr val="window" lastClr="FFFFFF"/>
       </a:lt1>
       <a:dk2>
-        <a:srgbClr val="0E2841"/>
+        <a:srgbClr val="1F497D"/>
       </a:dk2>
       <a:lt2>
-        <a:srgbClr val="E8E8E8"/>
+        <a:srgbClr val="EEECE1"/>
       </a:lt2>
       <a:accent1>
-        <a:srgbClr val="156082"/>
+        <a:srgbClr val="4F81BD"/>
       </a:accent1>
       <a:accent2>
-        <a:srgbClr val="E97132"/>
+        <a:srgbClr val="C0504D"/>
       </a:accent2>
       <a:accent3>
-        <a:srgbClr val="196B24"/>
+        <a:srgbClr val="9BBB59"/>
       </a:accent3>
       <a:accent4>
-        <a:srgbClr val="0F9ED5"/>
+        <a:srgbClr val="8064A2"/>
       </a:accent4>
       <a:accent5>
-        <a:srgbClr val="A02B93"/>
+        <a:srgbClr val="4BACC6"/>
       </a:accent5>
       <a:accent6>
-        <a:srgbClr val="4EA72E"/>
+        <a:srgbClr val="F79646"/>
       </a:accent6>
       <a:hlink>
-        <a:srgbClr val="467886"/>
+        <a:srgbClr val="0000FF"/>
       </a:hlink>
       <a:folHlink>
-        <a:srgbClr val="96607D"/>
+        <a:srgbClr val="800080"/>
       </a:folHlink>
     </a:clrScheme>
     <a:fontScheme name="Office">

--- a/statflow_wildcat_hackathon_2024.pptx
+++ b/statflow_wildcat_hackathon_2024.pptx
@@ -7,8 +7,6 @@
   <p:sldIdLst>
     <p:sldId id="256" r:id="rId2"/>
     <p:sldId id="257" r:id="rId3"/>
-    <p:sldId id="258" r:id="rId4"/>
-    <p:sldId id="259" r:id="rId5"/>
   </p:sldIdLst>
   <p:sldSz cx="12192000" cy="6858000"/>
   <p:notesSz cx="6858000" cy="9144000"/>
@@ -299,7 +297,7 @@
           <a:p>
             <a:fld id="{5C863E21-CD6D-464B-805C-929CA9EBC1A0}" type="datetimeFigureOut">
               <a:rPr lang="en-US" smtClean="0"/>
-              <a:t>10/28/2024</a:t>
+              <a:t>10/31/2024</a:t>
             </a:fld>
             <a:endParaRPr lang="en-US"/>
           </a:p>
@@ -497,7 +495,7 @@
           <a:p>
             <a:fld id="{5C863E21-CD6D-464B-805C-929CA9EBC1A0}" type="datetimeFigureOut">
               <a:rPr lang="en-US" smtClean="0"/>
-              <a:t>10/28/2024</a:t>
+              <a:t>10/31/2024</a:t>
             </a:fld>
             <a:endParaRPr lang="en-US"/>
           </a:p>
@@ -705,7 +703,7 @@
           <a:p>
             <a:fld id="{5C863E21-CD6D-464B-805C-929CA9EBC1A0}" type="datetimeFigureOut">
               <a:rPr lang="en-US" smtClean="0"/>
-              <a:t>10/28/2024</a:t>
+              <a:t>10/31/2024</a:t>
             </a:fld>
             <a:endParaRPr lang="en-US"/>
           </a:p>
@@ -903,7 +901,7 @@
           <a:p>
             <a:fld id="{5C863E21-CD6D-464B-805C-929CA9EBC1A0}" type="datetimeFigureOut">
               <a:rPr lang="en-US" smtClean="0"/>
-              <a:t>10/28/2024</a:t>
+              <a:t>10/31/2024</a:t>
             </a:fld>
             <a:endParaRPr lang="en-US"/>
           </a:p>
@@ -1178,7 +1176,7 @@
           <a:p>
             <a:fld id="{5C863E21-CD6D-464B-805C-929CA9EBC1A0}" type="datetimeFigureOut">
               <a:rPr lang="en-US" smtClean="0"/>
-              <a:t>10/28/2024</a:t>
+              <a:t>10/31/2024</a:t>
             </a:fld>
             <a:endParaRPr lang="en-US"/>
           </a:p>
@@ -1443,7 +1441,7 @@
           <a:p>
             <a:fld id="{5C863E21-CD6D-464B-805C-929CA9EBC1A0}" type="datetimeFigureOut">
               <a:rPr lang="en-US" smtClean="0"/>
-              <a:t>10/28/2024</a:t>
+              <a:t>10/31/2024</a:t>
             </a:fld>
             <a:endParaRPr lang="en-US"/>
           </a:p>
@@ -1855,7 +1853,7 @@
           <a:p>
             <a:fld id="{5C863E21-CD6D-464B-805C-929CA9EBC1A0}" type="datetimeFigureOut">
               <a:rPr lang="en-US" smtClean="0"/>
-              <a:t>10/28/2024</a:t>
+              <a:t>10/31/2024</a:t>
             </a:fld>
             <a:endParaRPr lang="en-US"/>
           </a:p>
@@ -1996,7 +1994,7 @@
           <a:p>
             <a:fld id="{5C863E21-CD6D-464B-805C-929CA9EBC1A0}" type="datetimeFigureOut">
               <a:rPr lang="en-US" smtClean="0"/>
-              <a:t>10/28/2024</a:t>
+              <a:t>10/31/2024</a:t>
             </a:fld>
             <a:endParaRPr lang="en-US"/>
           </a:p>
@@ -2109,7 +2107,7 @@
           <a:p>
             <a:fld id="{5C863E21-CD6D-464B-805C-929CA9EBC1A0}" type="datetimeFigureOut">
               <a:rPr lang="en-US" smtClean="0"/>
-              <a:t>10/28/2024</a:t>
+              <a:t>10/31/2024</a:t>
             </a:fld>
             <a:endParaRPr lang="en-US"/>
           </a:p>
@@ -2420,7 +2418,7 @@
           <a:p>
             <a:fld id="{5C863E21-CD6D-464B-805C-929CA9EBC1A0}" type="datetimeFigureOut">
               <a:rPr lang="en-US" smtClean="0"/>
-              <a:t>10/28/2024</a:t>
+              <a:t>10/31/2024</a:t>
             </a:fld>
             <a:endParaRPr lang="en-US"/>
           </a:p>
@@ -2708,7 +2706,7 @@
           <a:p>
             <a:fld id="{5C863E21-CD6D-464B-805C-929CA9EBC1A0}" type="datetimeFigureOut">
               <a:rPr lang="en-US" smtClean="0"/>
-              <a:t>10/28/2024</a:t>
+              <a:t>10/31/2024</a:t>
             </a:fld>
             <a:endParaRPr lang="en-US"/>
           </a:p>
@@ -2949,7 +2947,7 @@
           <a:p>
             <a:fld id="{5C863E21-CD6D-464B-805C-929CA9EBC1A0}" type="datetimeFigureOut">
               <a:rPr lang="en-US" smtClean="0"/>
-              <a:t>10/28/2024</a:t>
+              <a:t>10/31/2024</a:t>
             </a:fld>
             <a:endParaRPr lang="en-US"/>
           </a:p>
@@ -3533,12 +3531,14 @@
         </p:nvSpPr>
         <p:spPr>
           <a:xfrm>
-            <a:off x="838200" y="365125"/>
-            <a:ext cx="10515600" cy="1152779"/>
-          </a:xfrm>
-        </p:spPr>
-        <p:txBody>
-          <a:bodyPr/>
+            <a:off x="482798" y="368004"/>
+            <a:ext cx="10515600" cy="622953"/>
+          </a:xfrm>
+        </p:spPr>
+        <p:txBody>
+          <a:bodyPr>
+            <a:normAutofit fontScale="90000"/>
+          </a:bodyPr>
           <a:lstStyle/>
           <a:p>
             <a:r>
@@ -3562,8 +3562,8 @@
         </p:nvSpPr>
         <p:spPr>
           <a:xfrm>
-            <a:off x="838200" y="1383527"/>
-            <a:ext cx="2293471" cy="546873"/>
+            <a:off x="482798" y="1125045"/>
+            <a:ext cx="2449244" cy="546873"/>
           </a:xfrm>
           <a:prstGeom prst="roundRect">
             <a:avLst/>
@@ -3595,7 +3595,7 @@
           <a:p>
             <a:pPr algn="ctr"/>
             <a:r>
-              <a:rPr lang="en-US" dirty="0"/>
+              <a:rPr lang="en-US" sz="1700" dirty="0"/>
               <a:t>Data Sets</a:t>
             </a:r>
           </a:p>
@@ -3615,8 +3615,8 @@
         </p:nvSpPr>
         <p:spPr>
           <a:xfrm>
-            <a:off x="3478285" y="1393236"/>
-            <a:ext cx="4274144" cy="546873"/>
+            <a:off x="3260035" y="1119046"/>
+            <a:ext cx="3369268" cy="546873"/>
           </a:xfrm>
           <a:prstGeom prst="roundRect">
             <a:avLst/>
@@ -3648,8 +3648,8 @@
           <a:p>
             <a:pPr algn="ctr"/>
             <a:r>
-              <a:rPr lang="en-US" dirty="0"/>
-              <a:t>Data Processing</a:t>
+              <a:rPr lang="en-US" sz="1700" dirty="0"/>
+              <a:t>Data Processing using R</a:t>
             </a:r>
           </a:p>
         </p:txBody>
@@ -3668,8 +3668,8 @@
         </p:nvSpPr>
         <p:spPr>
           <a:xfrm>
-            <a:off x="8099043" y="1393237"/>
-            <a:ext cx="3425310" cy="546873"/>
+            <a:off x="8037987" y="1134755"/>
+            <a:ext cx="3671216" cy="546873"/>
           </a:xfrm>
           <a:prstGeom prst="roundRect">
             <a:avLst/>
@@ -3701,8 +3701,8 @@
           <a:p>
             <a:pPr algn="ctr"/>
             <a:r>
-              <a:rPr lang="en-US" dirty="0"/>
-              <a:t>Dashboard Creation</a:t>
+              <a:rPr lang="en-US" sz="1700" dirty="0"/>
+              <a:t>Dashboard Creation using R and Shiny</a:t>
             </a:r>
           </a:p>
         </p:txBody>
@@ -3721,8 +3721,8 @@
         </p:nvSpPr>
         <p:spPr>
           <a:xfrm>
-            <a:off x="838200" y="2109694"/>
-            <a:ext cx="2293471" cy="1577788"/>
+            <a:off x="482798" y="1843000"/>
+            <a:ext cx="2449244" cy="1228165"/>
           </a:xfrm>
           <a:prstGeom prst="roundRect">
             <a:avLst/>
@@ -3758,7 +3758,7 @@
           <a:lstStyle/>
           <a:p>
             <a:r>
-              <a:rPr lang="en-US" b="1" dirty="0">
+              <a:rPr lang="en-US" sz="1600" b="1" dirty="0">
                 <a:solidFill>
                   <a:schemeClr val="tx1"/>
                 </a:solidFill>
@@ -3766,7 +3766,7 @@
               <a:t>CropX, </a:t>
             </a:r>
             <a:r>
-              <a:rPr lang="en-US" b="1" dirty="0" err="1">
+              <a:rPr lang="en-US" sz="1600" b="1" dirty="0" err="1">
                 <a:solidFill>
                   <a:schemeClr val="tx1"/>
                 </a:solidFill>
@@ -3774,7 +3774,7 @@
               <a:t>AquaSpy</a:t>
             </a:r>
             <a:r>
-              <a:rPr lang="en-US" b="1" dirty="0">
+              <a:rPr lang="en-US" sz="1600" b="1" dirty="0">
                 <a:solidFill>
                   <a:schemeClr val="tx1"/>
                 </a:solidFill>
@@ -3782,7 +3782,7 @@
               <a:t>, and </a:t>
             </a:r>
             <a:r>
-              <a:rPr lang="en-US" b="1" dirty="0" err="1">
+              <a:rPr lang="en-US" sz="1600" b="1" dirty="0" err="1">
                 <a:solidFill>
                   <a:schemeClr val="tx1"/>
                 </a:solidFill>
@@ -3790,7 +3790,7 @@
               <a:t>Sentek</a:t>
             </a:r>
             <a:r>
-              <a:rPr lang="en-US" b="1" dirty="0">
+              <a:rPr lang="en-US" sz="1600" b="1" dirty="0">
                 <a:solidFill>
                   <a:schemeClr val="tx1"/>
                 </a:solidFill>
@@ -3804,7 +3804,7 @@
               <a:buChar char="•"/>
             </a:pPr>
             <a:r>
-              <a:rPr lang="en-US" dirty="0">
+              <a:rPr lang="en-US" sz="1600" dirty="0">
                 <a:solidFill>
                   <a:schemeClr val="tx1"/>
                 </a:solidFill>
@@ -3818,7 +3818,7 @@
               <a:buChar char="•"/>
             </a:pPr>
             <a:r>
-              <a:rPr lang="en-US" dirty="0">
+              <a:rPr lang="en-US" sz="1600" dirty="0">
                 <a:solidFill>
                   <a:schemeClr val="tx1"/>
                 </a:solidFill>
@@ -3842,8 +3842,8 @@
         </p:nvSpPr>
         <p:spPr>
           <a:xfrm>
-            <a:off x="3497914" y="2108946"/>
-            <a:ext cx="2011680" cy="1577788"/>
+            <a:off x="3256740" y="1843000"/>
+            <a:ext cx="1533921" cy="1228165"/>
           </a:xfrm>
           <a:prstGeom prst="roundRect">
             <a:avLst/>
@@ -3880,12 +3880,12 @@
           <a:p>
             <a:pPr algn="ctr"/>
             <a:r>
-              <a:rPr lang="en-US" dirty="0">
+              <a:rPr lang="en-US" sz="1600" dirty="0">
                 <a:solidFill>
                   <a:schemeClr val="tx1"/>
                 </a:solidFill>
               </a:rPr>
-              <a:t>Summarize continuous sensor data by day and week</a:t>
+              <a:t>Summarize sensor data by day and week</a:t>
             </a:r>
           </a:p>
         </p:txBody>
@@ -3904,8 +3904,8 @@
         </p:nvSpPr>
         <p:spPr>
           <a:xfrm>
-            <a:off x="838200" y="3774141"/>
-            <a:ext cx="2293471" cy="1228165"/>
+            <a:off x="482797" y="3152233"/>
+            <a:ext cx="2449246" cy="1020840"/>
           </a:xfrm>
           <a:prstGeom prst="roundRect">
             <a:avLst/>
@@ -3941,7 +3941,7 @@
           <a:lstStyle/>
           <a:p>
             <a:r>
-              <a:rPr lang="en-US" b="1" dirty="0">
+              <a:rPr lang="en-US" sz="1600" b="1" dirty="0">
                 <a:solidFill>
                   <a:schemeClr val="tx1"/>
                 </a:solidFill>
@@ -3949,7 +3949,7 @@
               <a:t>Colby </a:t>
             </a:r>
             <a:r>
-              <a:rPr lang="en-US" b="1" dirty="0" err="1">
+              <a:rPr lang="en-US" sz="1600" b="1" dirty="0" err="1">
                 <a:solidFill>
                   <a:schemeClr val="tx1"/>
                 </a:solidFill>
@@ -3957,7 +3957,7 @@
               <a:t>Mesonet</a:t>
             </a:r>
             <a:r>
-              <a:rPr lang="en-US" b="1" dirty="0">
+              <a:rPr lang="en-US" sz="1600" b="1" dirty="0">
                 <a:solidFill>
                   <a:schemeClr val="tx1"/>
                 </a:solidFill>
@@ -3971,7 +3971,7 @@
               <a:buChar char="•"/>
             </a:pPr>
             <a:r>
-              <a:rPr lang="en-US" dirty="0">
+              <a:rPr lang="en-US" sz="1600" dirty="0">
                 <a:solidFill>
                   <a:schemeClr val="tx1"/>
                 </a:solidFill>
@@ -3985,7 +3985,7 @@
               <a:buChar char="•"/>
             </a:pPr>
             <a:r>
-              <a:rPr lang="en-US" dirty="0">
+              <a:rPr lang="en-US" sz="1600" dirty="0">
                 <a:solidFill>
                   <a:schemeClr val="tx1"/>
                 </a:solidFill>
@@ -4009,8 +4009,8 @@
         </p:nvSpPr>
         <p:spPr>
           <a:xfrm>
-            <a:off x="838200" y="5088965"/>
-            <a:ext cx="2293471" cy="977153"/>
+            <a:off x="482798" y="4249686"/>
+            <a:ext cx="2449246" cy="737023"/>
           </a:xfrm>
           <a:prstGeom prst="roundRect">
             <a:avLst/>
@@ -4046,7 +4046,7 @@
           <a:lstStyle/>
           <a:p>
             <a:r>
-              <a:rPr lang="en-US" b="1" dirty="0">
+              <a:rPr lang="en-US" sz="1600" b="1" dirty="0">
                 <a:solidFill>
                   <a:schemeClr val="tx1"/>
                 </a:solidFill>
@@ -4060,7 +4060,7 @@
               <a:buChar char="•"/>
             </a:pPr>
             <a:r>
-              <a:rPr lang="en-US" dirty="0">
+              <a:rPr lang="en-US" sz="1600" dirty="0">
                 <a:solidFill>
                   <a:schemeClr val="tx1"/>
                 </a:solidFill>
@@ -4084,8 +4084,8 @@
         </p:nvSpPr>
         <p:spPr>
           <a:xfrm>
-            <a:off x="3502962" y="3774141"/>
-            <a:ext cx="2011680" cy="2291977"/>
+            <a:off x="3256738" y="3152234"/>
+            <a:ext cx="1533921" cy="1834478"/>
           </a:xfrm>
           <a:prstGeom prst="roundRect">
             <a:avLst/>
@@ -4122,7 +4122,7 @@
           <a:p>
             <a:pPr algn="ctr"/>
             <a:r>
-              <a:rPr lang="en-US" dirty="0">
+              <a:rPr lang="en-US" sz="1600" dirty="0">
                 <a:solidFill>
                   <a:schemeClr val="tx1"/>
                 </a:solidFill>
@@ -4146,8 +4146,8 @@
         </p:nvSpPr>
         <p:spPr>
           <a:xfrm>
-            <a:off x="5740598" y="2097742"/>
-            <a:ext cx="2011831" cy="3956424"/>
+            <a:off x="4969563" y="1805677"/>
+            <a:ext cx="1663037" cy="3181035"/>
           </a:xfrm>
           <a:prstGeom prst="roundRect">
             <a:avLst/>
@@ -4184,7 +4184,7 @@
           <a:p>
             <a:pPr algn="ctr"/>
             <a:r>
-              <a:rPr lang="en-US" dirty="0">
+              <a:rPr lang="en-US" sz="1600" dirty="0">
                 <a:solidFill>
                   <a:schemeClr val="tx1"/>
                 </a:solidFill>
@@ -4195,12 +4195,12 @@
           <a:p>
             <a:pPr algn="ctr"/>
             <a:r>
-              <a:rPr lang="en-US" dirty="0">
+              <a:rPr lang="en-US" sz="1600" dirty="0">
                 <a:solidFill>
                   <a:schemeClr val="tx1"/>
                 </a:solidFill>
               </a:rPr>
-              <a:t>of sensor measurements, weather, and irrigation.</a:t>
+              <a:t>of sensor, weather, and irrigation data.</a:t>
             </a:r>
           </a:p>
         </p:txBody>
@@ -4222,95 +4222,9 @@
           <p:nvPr/>
         </p:nvCxnSpPr>
         <p:spPr>
-          <a:xfrm flipV="1">
-            <a:off x="3131671" y="2897840"/>
-            <a:ext cx="366243" cy="748"/>
-          </a:xfrm>
-          <a:prstGeom prst="straightConnector1">
-            <a:avLst/>
-          </a:prstGeom>
-          <a:ln>
-            <a:tailEnd type="triangle"/>
-          </a:ln>
-        </p:spPr>
-        <p:style>
-          <a:lnRef idx="2">
-            <a:schemeClr val="dk1"/>
-          </a:lnRef>
-          <a:fillRef idx="0">
-            <a:schemeClr val="dk1"/>
-          </a:fillRef>
-          <a:effectRef idx="1">
-            <a:schemeClr val="dk1"/>
-          </a:effectRef>
-          <a:fontRef idx="minor">
-            <a:schemeClr val="tx1"/>
-          </a:fontRef>
-        </p:style>
-      </p:cxnSp>
-      <p:cxnSp>
-        <p:nvCxnSpPr>
-          <p:cNvPr id="100" name="Straight Arrow Connector 99">
-            <a:extLst>
-              <a:ext uri="{FF2B5EF4-FFF2-40B4-BE49-F238E27FC236}">
-                <a16:creationId xmlns:a16="http://schemas.microsoft.com/office/drawing/2014/main" id="{6D16D6E5-5CD6-6985-50BC-96E9CCBED99D}"/>
-              </a:ext>
-            </a:extLst>
-          </p:cNvPr>
-          <p:cNvCxnSpPr>
-            <a:cxnSpLocks/>
-            <a:stCxn id="93" idx="3"/>
-            <a:endCxn id="95" idx="1"/>
-          </p:cNvCxnSpPr>
-          <p:nvPr/>
-        </p:nvCxnSpPr>
-        <p:spPr>
           <a:xfrm>
-            <a:off x="3131671" y="4388224"/>
-            <a:ext cx="371291" cy="531906"/>
-          </a:xfrm>
-          <a:prstGeom prst="straightConnector1">
-            <a:avLst/>
-          </a:prstGeom>
-          <a:ln>
-            <a:tailEnd type="triangle"/>
-          </a:ln>
-        </p:spPr>
-        <p:style>
-          <a:lnRef idx="2">
-            <a:schemeClr val="dk1"/>
-          </a:lnRef>
-          <a:fillRef idx="0">
-            <a:schemeClr val="dk1"/>
-          </a:fillRef>
-          <a:effectRef idx="1">
-            <a:schemeClr val="dk1"/>
-          </a:effectRef>
-          <a:fontRef idx="minor">
-            <a:schemeClr val="tx1"/>
-          </a:fontRef>
-        </p:style>
-      </p:cxnSp>
-      <p:cxnSp>
-        <p:nvCxnSpPr>
-          <p:cNvPr id="102" name="Straight Arrow Connector 101">
-            <a:extLst>
-              <a:ext uri="{FF2B5EF4-FFF2-40B4-BE49-F238E27FC236}">
-                <a16:creationId xmlns:a16="http://schemas.microsoft.com/office/drawing/2014/main" id="{46631200-B9B0-1719-E2EB-6DBE59151DDA}"/>
-              </a:ext>
-            </a:extLst>
-          </p:cNvPr>
-          <p:cNvCxnSpPr>
-            <a:cxnSpLocks/>
-            <a:stCxn id="94" idx="3"/>
-            <a:endCxn id="95" idx="1"/>
-          </p:cNvCxnSpPr>
-          <p:nvPr/>
-        </p:nvCxnSpPr>
-        <p:spPr>
-          <a:xfrm flipV="1">
-            <a:off x="3131671" y="4920130"/>
-            <a:ext cx="371291" cy="657412"/>
+            <a:off x="2932042" y="2457083"/>
+            <a:ext cx="324698" cy="0"/>
           </a:xfrm>
           <a:prstGeom prst="straightConnector1">
             <a:avLst/>
@@ -4344,6 +4258,7 @@
             </a:extLst>
           </p:cNvPr>
           <p:cNvCxnSpPr>
+            <a:cxnSpLocks/>
             <a:stCxn id="92" idx="3"/>
             <a:endCxn id="96" idx="1"/>
           </p:cNvCxnSpPr>
@@ -4351,8 +4266,8 @@
         </p:nvCxnSpPr>
         <p:spPr>
           <a:xfrm>
-            <a:off x="5509594" y="2897840"/>
-            <a:ext cx="231004" cy="1178114"/>
+            <a:off x="4790661" y="2457083"/>
+            <a:ext cx="178902" cy="939112"/>
           </a:xfrm>
           <a:prstGeom prst="straightConnector1">
             <a:avLst/>
@@ -4386,6 +4301,7 @@
             </a:extLst>
           </p:cNvPr>
           <p:cNvCxnSpPr>
+            <a:cxnSpLocks/>
             <a:stCxn id="95" idx="3"/>
             <a:endCxn id="96" idx="1"/>
           </p:cNvCxnSpPr>
@@ -4393,8 +4309,8 @@
         </p:nvCxnSpPr>
         <p:spPr>
           <a:xfrm flipV="1">
-            <a:off x="5514642" y="4075954"/>
-            <a:ext cx="225956" cy="844176"/>
+            <a:off x="4790659" y="3396195"/>
+            <a:ext cx="178904" cy="673278"/>
           </a:xfrm>
           <a:prstGeom prst="straightConnector1">
             <a:avLst/>
@@ -4432,8 +4348,8 @@
         </p:nvSpPr>
         <p:spPr>
           <a:xfrm>
-            <a:off x="8101808" y="2097742"/>
-            <a:ext cx="3425311" cy="1715247"/>
+            <a:off x="8040757" y="1839261"/>
+            <a:ext cx="3668446" cy="1312972"/>
           </a:xfrm>
           <a:prstGeom prst="roundRect">
             <a:avLst/>
@@ -4469,7 +4385,7 @@
           <a:lstStyle/>
           <a:p>
             <a:r>
-              <a:rPr lang="en-US" b="1" dirty="0">
+              <a:rPr lang="en-US" sz="1600" b="1" dirty="0">
                 <a:solidFill>
                   <a:schemeClr val="tx1"/>
                 </a:solidFill>
@@ -4483,7 +4399,7 @@
               <a:buChar char="•"/>
             </a:pPr>
             <a:r>
-              <a:rPr lang="en-US" dirty="0">
+              <a:rPr lang="en-US" sz="1600" dirty="0">
                 <a:solidFill>
                   <a:schemeClr val="tx1"/>
                 </a:solidFill>
@@ -4507,8 +4423,8 @@
         </p:nvSpPr>
         <p:spPr>
           <a:xfrm>
-            <a:off x="8099043" y="3902635"/>
-            <a:ext cx="3430842" cy="2163483"/>
+            <a:off x="8040754" y="3309866"/>
+            <a:ext cx="3668447" cy="1710429"/>
           </a:xfrm>
           <a:prstGeom prst="roundRect">
             <a:avLst/>
@@ -4544,7 +4460,7 @@
           <a:lstStyle/>
           <a:p>
             <a:r>
-              <a:rPr lang="en-US" b="1" dirty="0">
+              <a:rPr lang="en-US" sz="1600" b="1" dirty="0">
                 <a:solidFill>
                   <a:schemeClr val="tx1"/>
                 </a:solidFill>
@@ -4558,7 +4474,7 @@
               <a:buChar char="•"/>
             </a:pPr>
             <a:r>
-              <a:rPr lang="en-US" dirty="0">
+              <a:rPr lang="en-US" sz="1600" dirty="0">
                 <a:solidFill>
                   <a:schemeClr val="tx1"/>
                 </a:solidFill>
@@ -4568,25 +4484,386 @@
           </a:p>
         </p:txBody>
       </p:sp>
+      <p:sp>
+        <p:nvSpPr>
+          <p:cNvPr id="5" name="Rectangle: Rounded Corners 4">
+            <a:extLst>
+              <a:ext uri="{FF2B5EF4-FFF2-40B4-BE49-F238E27FC236}">
+                <a16:creationId xmlns:a16="http://schemas.microsoft.com/office/drawing/2014/main" id="{4D9759B4-6C9A-8482-6EEC-23BC358D4630}"/>
+              </a:ext>
+            </a:extLst>
+          </p:cNvPr>
+          <p:cNvSpPr/>
+          <p:nvPr/>
+        </p:nvSpPr>
+        <p:spPr>
+          <a:xfrm>
+            <a:off x="482797" y="5081234"/>
+            <a:ext cx="2449246" cy="651722"/>
+          </a:xfrm>
+          <a:prstGeom prst="roundRect">
+            <a:avLst/>
+          </a:prstGeom>
+          <a:solidFill>
+            <a:schemeClr val="accent4">
+              <a:lumMod val="20000"/>
+              <a:lumOff val="80000"/>
+            </a:schemeClr>
+          </a:solidFill>
+          <a:ln>
+            <a:noFill/>
+          </a:ln>
+        </p:spPr>
+        <p:style>
+          <a:lnRef idx="2">
+            <a:schemeClr val="accent1">
+              <a:shade val="15000"/>
+            </a:schemeClr>
+          </a:lnRef>
+          <a:fillRef idx="1">
+            <a:schemeClr val="accent1"/>
+          </a:fillRef>
+          <a:effectRef idx="0">
+            <a:schemeClr val="accent1"/>
+          </a:effectRef>
+          <a:fontRef idx="minor">
+            <a:schemeClr val="lt1"/>
+          </a:fontRef>
+        </p:style>
+        <p:txBody>
+          <a:bodyPr rtlCol="0" anchor="ctr"/>
+          <a:lstStyle/>
+          <a:p>
+            <a:r>
+              <a:rPr lang="en-US" sz="1600" b="1" dirty="0">
+                <a:solidFill>
+                  <a:schemeClr val="tx1"/>
+                </a:solidFill>
+              </a:rPr>
+              <a:t>Ceres Aerial &amp; Drone Imaging</a:t>
+            </a:r>
+          </a:p>
+        </p:txBody>
+      </p:sp>
+      <p:sp>
+        <p:nvSpPr>
+          <p:cNvPr id="32" name="Rectangle: Rounded Corners 31">
+            <a:extLst>
+              <a:ext uri="{FF2B5EF4-FFF2-40B4-BE49-F238E27FC236}">
+                <a16:creationId xmlns:a16="http://schemas.microsoft.com/office/drawing/2014/main" id="{3673006D-0E9A-9566-0D54-4E42F6E5FA8A}"/>
+              </a:ext>
+            </a:extLst>
+          </p:cNvPr>
+          <p:cNvSpPr/>
+          <p:nvPr/>
+        </p:nvSpPr>
+        <p:spPr>
+          <a:xfrm>
+            <a:off x="482796" y="5809664"/>
+            <a:ext cx="2449246" cy="651722"/>
+          </a:xfrm>
+          <a:prstGeom prst="roundRect">
+            <a:avLst/>
+          </a:prstGeom>
+          <a:solidFill>
+            <a:schemeClr val="accent4">
+              <a:lumMod val="20000"/>
+              <a:lumOff val="80000"/>
+            </a:schemeClr>
+          </a:solidFill>
+          <a:ln>
+            <a:noFill/>
+          </a:ln>
+        </p:spPr>
+        <p:style>
+          <a:lnRef idx="2">
+            <a:schemeClr val="accent1">
+              <a:shade val="15000"/>
+            </a:schemeClr>
+          </a:lnRef>
+          <a:fillRef idx="1">
+            <a:schemeClr val="accent1"/>
+          </a:fillRef>
+          <a:effectRef idx="0">
+            <a:schemeClr val="accent1"/>
+          </a:effectRef>
+          <a:fontRef idx="minor">
+            <a:schemeClr val="lt1"/>
+          </a:fontRef>
+        </p:style>
+        <p:txBody>
+          <a:bodyPr rtlCol="0" anchor="ctr"/>
+          <a:lstStyle/>
+          <a:p>
+            <a:r>
+              <a:rPr lang="en-US" sz="1700" b="1" dirty="0">
+                <a:solidFill>
+                  <a:schemeClr val="tx1"/>
+                </a:solidFill>
+              </a:rPr>
+              <a:t>Shallow Soil Sampling Data</a:t>
+            </a:r>
+          </a:p>
+        </p:txBody>
+      </p:sp>
+      <p:sp>
+        <p:nvSpPr>
+          <p:cNvPr id="43" name="Rectangle: Rounded Corners 42">
+            <a:extLst>
+              <a:ext uri="{FF2B5EF4-FFF2-40B4-BE49-F238E27FC236}">
+                <a16:creationId xmlns:a16="http://schemas.microsoft.com/office/drawing/2014/main" id="{1B5C40AD-3BA8-5B78-F48A-BC17AF65752F}"/>
+              </a:ext>
+            </a:extLst>
+          </p:cNvPr>
+          <p:cNvSpPr/>
+          <p:nvPr/>
+        </p:nvSpPr>
+        <p:spPr>
+          <a:xfrm>
+            <a:off x="3253971" y="5081234"/>
+            <a:ext cx="1533921" cy="651722"/>
+          </a:xfrm>
+          <a:prstGeom prst="roundRect">
+            <a:avLst/>
+          </a:prstGeom>
+          <a:solidFill>
+            <a:schemeClr val="accent3">
+              <a:lumMod val="20000"/>
+              <a:lumOff val="80000"/>
+            </a:schemeClr>
+          </a:solidFill>
+          <a:ln>
+            <a:noFill/>
+          </a:ln>
+        </p:spPr>
+        <p:style>
+          <a:lnRef idx="2">
+            <a:schemeClr val="accent1">
+              <a:shade val="15000"/>
+            </a:schemeClr>
+          </a:lnRef>
+          <a:fillRef idx="1">
+            <a:schemeClr val="accent1"/>
+          </a:fillRef>
+          <a:effectRef idx="0">
+            <a:schemeClr val="accent1"/>
+          </a:effectRef>
+          <a:fontRef idx="minor">
+            <a:schemeClr val="lt1"/>
+          </a:fontRef>
+        </p:style>
+        <p:txBody>
+          <a:bodyPr rtlCol="0" anchor="ctr"/>
+          <a:lstStyle/>
+          <a:p>
+            <a:pPr algn="ctr"/>
+            <a:r>
+              <a:rPr lang="en-US" sz="1600" dirty="0">
+                <a:solidFill>
+                  <a:schemeClr val="tx1"/>
+                </a:solidFill>
+              </a:rPr>
+              <a:t>Average by plot</a:t>
+            </a:r>
+          </a:p>
+        </p:txBody>
+      </p:sp>
+      <p:sp>
+        <p:nvSpPr>
+          <p:cNvPr id="44" name="Rectangle: Rounded Corners 43">
+            <a:extLst>
+              <a:ext uri="{FF2B5EF4-FFF2-40B4-BE49-F238E27FC236}">
+                <a16:creationId xmlns:a16="http://schemas.microsoft.com/office/drawing/2014/main" id="{1FD2BE5C-A5D5-B37D-087B-72162483CB1D}"/>
+              </a:ext>
+            </a:extLst>
+          </p:cNvPr>
+          <p:cNvSpPr/>
+          <p:nvPr/>
+        </p:nvSpPr>
+        <p:spPr>
+          <a:xfrm>
+            <a:off x="4966266" y="5081234"/>
+            <a:ext cx="1663037" cy="1425388"/>
+          </a:xfrm>
+          <a:prstGeom prst="roundRect">
+            <a:avLst/>
+          </a:prstGeom>
+          <a:solidFill>
+            <a:schemeClr val="accent3">
+              <a:lumMod val="20000"/>
+              <a:lumOff val="80000"/>
+            </a:schemeClr>
+          </a:solidFill>
+          <a:ln>
+            <a:noFill/>
+          </a:ln>
+        </p:spPr>
+        <p:style>
+          <a:lnRef idx="2">
+            <a:schemeClr val="accent1">
+              <a:shade val="15000"/>
+            </a:schemeClr>
+          </a:lnRef>
+          <a:fillRef idx="1">
+            <a:schemeClr val="accent1"/>
+          </a:fillRef>
+          <a:effectRef idx="0">
+            <a:schemeClr val="accent1"/>
+          </a:effectRef>
+          <a:fontRef idx="minor">
+            <a:schemeClr val="lt1"/>
+          </a:fontRef>
+        </p:style>
+        <p:txBody>
+          <a:bodyPr rtlCol="0" anchor="ctr"/>
+          <a:lstStyle/>
+          <a:p>
+            <a:pPr algn="ctr"/>
+            <a:r>
+              <a:rPr lang="en-US" sz="1600" dirty="0">
+                <a:solidFill>
+                  <a:schemeClr val="tx1"/>
+                </a:solidFill>
+              </a:rPr>
+              <a:t>Combine with plot shapes file for mapping.</a:t>
+            </a:r>
+          </a:p>
+        </p:txBody>
+      </p:sp>
       <p:cxnSp>
         <p:nvCxnSpPr>
-          <p:cNvPr id="134" name="Straight Arrow Connector 133">
-            <a:extLst>
-              <a:ext uri="{FF2B5EF4-FFF2-40B4-BE49-F238E27FC236}">
-                <a16:creationId xmlns:a16="http://schemas.microsoft.com/office/drawing/2014/main" id="{CAD5BA53-31C1-50E0-5491-C2E16C2906AC}"/>
+          <p:cNvPr id="52" name="Straight Arrow Connector 51">
+            <a:extLst>
+              <a:ext uri="{FF2B5EF4-FFF2-40B4-BE49-F238E27FC236}">
+                <a16:creationId xmlns:a16="http://schemas.microsoft.com/office/drawing/2014/main" id="{7D67ABE6-942E-686F-4E69-16E4404FFFE9}"/>
               </a:ext>
             </a:extLst>
           </p:cNvPr>
           <p:cNvCxnSpPr>
-            <a:stCxn id="96" idx="3"/>
-            <a:endCxn id="108" idx="1"/>
+            <a:cxnSpLocks/>
+            <a:stCxn id="5" idx="3"/>
+            <a:endCxn id="43" idx="1"/>
           </p:cNvCxnSpPr>
           <p:nvPr/>
         </p:nvCxnSpPr>
         <p:spPr>
-          <a:xfrm flipV="1">
-            <a:off x="7752429" y="2955366"/>
-            <a:ext cx="349379" cy="1120588"/>
+          <a:xfrm>
+            <a:off x="2932043" y="5407095"/>
+            <a:ext cx="321928" cy="0"/>
+          </a:xfrm>
+          <a:prstGeom prst="straightConnector1">
+            <a:avLst/>
+          </a:prstGeom>
+          <a:ln>
+            <a:tailEnd type="triangle"/>
+          </a:ln>
+        </p:spPr>
+        <p:style>
+          <a:lnRef idx="2">
+            <a:schemeClr val="dk1"/>
+          </a:lnRef>
+          <a:fillRef idx="0">
+            <a:schemeClr val="dk1"/>
+          </a:fillRef>
+          <a:effectRef idx="1">
+            <a:schemeClr val="dk1"/>
+          </a:effectRef>
+          <a:fontRef idx="minor">
+            <a:schemeClr val="tx1"/>
+          </a:fontRef>
+        </p:style>
+      </p:cxnSp>
+      <p:sp>
+        <p:nvSpPr>
+          <p:cNvPr id="61" name="Rectangle: Rounded Corners 60">
+            <a:extLst>
+              <a:ext uri="{FF2B5EF4-FFF2-40B4-BE49-F238E27FC236}">
+                <a16:creationId xmlns:a16="http://schemas.microsoft.com/office/drawing/2014/main" id="{E90A04B7-45D6-8230-9B9F-0CA91B0096E5}"/>
+              </a:ext>
+            </a:extLst>
+          </p:cNvPr>
+          <p:cNvSpPr/>
+          <p:nvPr/>
+        </p:nvSpPr>
+        <p:spPr>
+          <a:xfrm>
+            <a:off x="8037987" y="5081234"/>
+            <a:ext cx="3668448" cy="1425388"/>
+          </a:xfrm>
+          <a:prstGeom prst="roundRect">
+            <a:avLst/>
+          </a:prstGeom>
+          <a:solidFill>
+            <a:schemeClr val="accent5">
+              <a:lumMod val="20000"/>
+              <a:lumOff val="80000"/>
+            </a:schemeClr>
+          </a:solidFill>
+          <a:ln>
+            <a:noFill/>
+          </a:ln>
+        </p:spPr>
+        <p:style>
+          <a:lnRef idx="2">
+            <a:schemeClr val="accent1">
+              <a:shade val="15000"/>
+            </a:schemeClr>
+          </a:lnRef>
+          <a:fillRef idx="1">
+            <a:schemeClr val="accent1"/>
+          </a:fillRef>
+          <a:effectRef idx="0">
+            <a:schemeClr val="accent1"/>
+          </a:effectRef>
+          <a:fontRef idx="minor">
+            <a:schemeClr val="lt1"/>
+          </a:fontRef>
+        </p:style>
+        <p:txBody>
+          <a:bodyPr rtlCol="0" anchor="ctr"/>
+          <a:lstStyle/>
+          <a:p>
+            <a:r>
+              <a:rPr lang="en-US" sz="1600" b="1" dirty="0">
+                <a:solidFill>
+                  <a:schemeClr val="tx1"/>
+                </a:solidFill>
+              </a:rPr>
+              <a:t>Mapping</a:t>
+            </a:r>
+          </a:p>
+          <a:p>
+            <a:pPr marL="285750" indent="-285750">
+              <a:buFont typeface="Arial" panose="020B0604020202020204" pitchFamily="34" charset="0"/>
+              <a:buChar char="•"/>
+            </a:pPr>
+            <a:r>
+              <a:rPr lang="en-US" sz="1600" dirty="0">
+                <a:solidFill>
+                  <a:schemeClr val="tx1"/>
+                </a:solidFill>
+              </a:rPr>
+              <a:t>Create interactive maps that allow users to explore soil sampling and imagery data</a:t>
+            </a:r>
+          </a:p>
+        </p:txBody>
+      </p:sp>
+      <p:cxnSp>
+        <p:nvCxnSpPr>
+          <p:cNvPr id="210" name="Straight Arrow Connector 209">
+            <a:extLst>
+              <a:ext uri="{FF2B5EF4-FFF2-40B4-BE49-F238E27FC236}">
+                <a16:creationId xmlns:a16="http://schemas.microsoft.com/office/drawing/2014/main" id="{2FB26401-5BB3-D2B3-9519-BD6322D10B3A}"/>
+              </a:ext>
+            </a:extLst>
+          </p:cNvPr>
+          <p:cNvCxnSpPr/>
+          <p:nvPr/>
+        </p:nvCxnSpPr>
+        <p:spPr>
+          <a:xfrm>
+            <a:off x="6955693" y="3396195"/>
+            <a:ext cx="755374" cy="0"/>
           </a:xfrm>
           <a:prstGeom prst="straightConnector1">
             <a:avLst/>
@@ -4612,23 +4889,669 @@
       </p:cxnSp>
       <p:cxnSp>
         <p:nvCxnSpPr>
-          <p:cNvPr id="136" name="Straight Arrow Connector 135">
-            <a:extLst>
-              <a:ext uri="{FF2B5EF4-FFF2-40B4-BE49-F238E27FC236}">
-                <a16:creationId xmlns:a16="http://schemas.microsoft.com/office/drawing/2014/main" id="{6600CF5E-2E1D-49CF-0446-B9F5130E7B7A}"/>
+          <p:cNvPr id="219" name="Straight Arrow Connector 218">
+            <a:extLst>
+              <a:ext uri="{FF2B5EF4-FFF2-40B4-BE49-F238E27FC236}">
+                <a16:creationId xmlns:a16="http://schemas.microsoft.com/office/drawing/2014/main" id="{82E882A1-0BC8-4F02-B11E-3BB8DFEA9603}"/>
+              </a:ext>
+            </a:extLst>
+          </p:cNvPr>
+          <p:cNvCxnSpPr/>
+          <p:nvPr/>
+        </p:nvCxnSpPr>
+        <p:spPr>
+          <a:xfrm>
+            <a:off x="6955693" y="5809664"/>
+            <a:ext cx="755374" cy="0"/>
+          </a:xfrm>
+          <a:prstGeom prst="straightConnector1">
+            <a:avLst/>
+          </a:prstGeom>
+          <a:ln>
+            <a:tailEnd type="triangle"/>
+          </a:ln>
+        </p:spPr>
+        <p:style>
+          <a:lnRef idx="2">
+            <a:schemeClr val="dk1"/>
+          </a:lnRef>
+          <a:fillRef idx="0">
+            <a:schemeClr val="dk1"/>
+          </a:fillRef>
+          <a:effectRef idx="1">
+            <a:schemeClr val="dk1"/>
+          </a:effectRef>
+          <a:fontRef idx="minor">
+            <a:schemeClr val="tx1"/>
+          </a:fontRef>
+        </p:style>
+      </p:cxnSp>
+      <p:sp>
+        <p:nvSpPr>
+          <p:cNvPr id="241" name="Rectangle: Rounded Corners 240">
+            <a:extLst>
+              <a:ext uri="{FF2B5EF4-FFF2-40B4-BE49-F238E27FC236}">
+                <a16:creationId xmlns:a16="http://schemas.microsoft.com/office/drawing/2014/main" id="{F39CEAEC-7A4A-B0E8-EDBD-1773CF6568D7}"/>
+              </a:ext>
+            </a:extLst>
+          </p:cNvPr>
+          <p:cNvSpPr/>
+          <p:nvPr/>
+        </p:nvSpPr>
+        <p:spPr>
+          <a:xfrm>
+            <a:off x="6955693" y="5081234"/>
+            <a:ext cx="755374" cy="1425388"/>
+          </a:xfrm>
+          <a:prstGeom prst="roundRect">
+            <a:avLst/>
+          </a:prstGeom>
+          <a:solidFill>
+            <a:schemeClr val="bg1"/>
+          </a:solidFill>
+          <a:ln>
+            <a:noFill/>
+          </a:ln>
+        </p:spPr>
+        <p:style>
+          <a:lnRef idx="2">
+            <a:schemeClr val="accent1">
+              <a:shade val="15000"/>
+            </a:schemeClr>
+          </a:lnRef>
+          <a:fillRef idx="1">
+            <a:schemeClr val="accent1"/>
+          </a:fillRef>
+          <a:effectRef idx="0">
+            <a:schemeClr val="accent1"/>
+          </a:effectRef>
+          <a:fontRef idx="minor">
+            <a:schemeClr val="lt1"/>
+          </a:fontRef>
+        </p:style>
+        <p:txBody>
+          <a:bodyPr rtlCol="0" anchor="ctr"/>
+          <a:lstStyle/>
+          <a:p>
+            <a:pPr algn="ctr"/>
+            <a:endParaRPr lang="en-US" sz="1600" dirty="0">
+              <a:solidFill>
+                <a:schemeClr val="tx1"/>
+              </a:solidFill>
+            </a:endParaRPr>
+          </a:p>
+        </p:txBody>
+      </p:sp>
+      <p:sp>
+        <p:nvSpPr>
+          <p:cNvPr id="247" name="Rectangle: Rounded Corners 246">
+            <a:extLst>
+              <a:ext uri="{FF2B5EF4-FFF2-40B4-BE49-F238E27FC236}">
+                <a16:creationId xmlns:a16="http://schemas.microsoft.com/office/drawing/2014/main" id="{026867E3-BC59-C210-382C-E700AAEFF306}"/>
+              </a:ext>
+            </a:extLst>
+          </p:cNvPr>
+          <p:cNvSpPr/>
+          <p:nvPr/>
+        </p:nvSpPr>
+        <p:spPr>
+          <a:xfrm>
+            <a:off x="6955694" y="1805677"/>
+            <a:ext cx="755374" cy="3181035"/>
+          </a:xfrm>
+          <a:prstGeom prst="roundRect">
+            <a:avLst/>
+          </a:prstGeom>
+          <a:solidFill>
+            <a:schemeClr val="bg1"/>
+          </a:solidFill>
+          <a:ln>
+            <a:noFill/>
+          </a:ln>
+        </p:spPr>
+        <p:style>
+          <a:lnRef idx="2">
+            <a:schemeClr val="accent1">
+              <a:shade val="15000"/>
+            </a:schemeClr>
+          </a:lnRef>
+          <a:fillRef idx="1">
+            <a:schemeClr val="accent1"/>
+          </a:fillRef>
+          <a:effectRef idx="0">
+            <a:schemeClr val="accent1"/>
+          </a:effectRef>
+          <a:fontRef idx="minor">
+            <a:schemeClr val="lt1"/>
+          </a:fontRef>
+        </p:style>
+        <p:txBody>
+          <a:bodyPr rtlCol="0" anchor="ctr"/>
+          <a:lstStyle/>
+          <a:p>
+            <a:pPr algn="ctr"/>
+            <a:endParaRPr lang="en-US" sz="1600" dirty="0">
+              <a:solidFill>
+                <a:schemeClr val="tx1"/>
+              </a:solidFill>
+            </a:endParaRPr>
+          </a:p>
+        </p:txBody>
+      </p:sp>
+      <p:cxnSp>
+        <p:nvCxnSpPr>
+          <p:cNvPr id="249" name="Straight Arrow Connector 248">
+            <a:extLst>
+              <a:ext uri="{FF2B5EF4-FFF2-40B4-BE49-F238E27FC236}">
+                <a16:creationId xmlns:a16="http://schemas.microsoft.com/office/drawing/2014/main" id="{C675DFB7-3B68-9849-5F89-C15E656BEAC2}"/>
               </a:ext>
             </a:extLst>
           </p:cNvPr>
           <p:cNvCxnSpPr>
             <a:stCxn id="96" idx="3"/>
+            <a:endCxn id="247" idx="1"/>
+          </p:cNvCxnSpPr>
+          <p:nvPr/>
+        </p:nvCxnSpPr>
+        <p:spPr>
+          <a:xfrm>
+            <a:off x="6632600" y="3396195"/>
+            <a:ext cx="323094" cy="0"/>
+          </a:xfrm>
+          <a:prstGeom prst="straightConnector1">
+            <a:avLst/>
+          </a:prstGeom>
+          <a:ln>
+            <a:tailEnd type="triangle"/>
+          </a:ln>
+        </p:spPr>
+        <p:style>
+          <a:lnRef idx="2">
+            <a:schemeClr val="dk1"/>
+          </a:lnRef>
+          <a:fillRef idx="0">
+            <a:schemeClr val="dk1"/>
+          </a:fillRef>
+          <a:effectRef idx="1">
+            <a:schemeClr val="dk1"/>
+          </a:effectRef>
+          <a:fontRef idx="minor">
+            <a:schemeClr val="tx1"/>
+          </a:fontRef>
+        </p:style>
+      </p:cxnSp>
+      <p:cxnSp>
+        <p:nvCxnSpPr>
+          <p:cNvPr id="251" name="Straight Arrow Connector 250">
+            <a:extLst>
+              <a:ext uri="{FF2B5EF4-FFF2-40B4-BE49-F238E27FC236}">
+                <a16:creationId xmlns:a16="http://schemas.microsoft.com/office/drawing/2014/main" id="{A290B8A9-C0B8-3088-1907-9C34839D305C}"/>
+              </a:ext>
+            </a:extLst>
+          </p:cNvPr>
+          <p:cNvCxnSpPr>
+            <a:stCxn id="247" idx="3"/>
+            <a:endCxn id="108" idx="1"/>
+          </p:cNvCxnSpPr>
+          <p:nvPr/>
+        </p:nvCxnSpPr>
+        <p:spPr>
+          <a:xfrm flipV="1">
+            <a:off x="7711068" y="2495747"/>
+            <a:ext cx="329689" cy="900448"/>
+          </a:xfrm>
+          <a:prstGeom prst="straightConnector1">
+            <a:avLst/>
+          </a:prstGeom>
+          <a:ln>
+            <a:tailEnd type="triangle"/>
+          </a:ln>
+        </p:spPr>
+        <p:style>
+          <a:lnRef idx="2">
+            <a:schemeClr val="dk1"/>
+          </a:lnRef>
+          <a:fillRef idx="0">
+            <a:schemeClr val="dk1"/>
+          </a:fillRef>
+          <a:effectRef idx="1">
+            <a:schemeClr val="dk1"/>
+          </a:effectRef>
+          <a:fontRef idx="minor">
+            <a:schemeClr val="tx1"/>
+          </a:fontRef>
+        </p:style>
+      </p:cxnSp>
+      <p:cxnSp>
+        <p:nvCxnSpPr>
+          <p:cNvPr id="253" name="Straight Arrow Connector 252">
+            <a:extLst>
+              <a:ext uri="{FF2B5EF4-FFF2-40B4-BE49-F238E27FC236}">
+                <a16:creationId xmlns:a16="http://schemas.microsoft.com/office/drawing/2014/main" id="{ECDF4CC9-A71B-7884-7757-D1366E5A3C54}"/>
+              </a:ext>
+            </a:extLst>
+          </p:cNvPr>
+          <p:cNvCxnSpPr>
+            <a:stCxn id="247" idx="3"/>
             <a:endCxn id="109" idx="1"/>
           </p:cNvCxnSpPr>
           <p:nvPr/>
         </p:nvCxnSpPr>
         <p:spPr>
           <a:xfrm>
-            <a:off x="7752429" y="4075954"/>
-            <a:ext cx="346614" cy="908423"/>
+            <a:off x="7711068" y="3396195"/>
+            <a:ext cx="329686" cy="768886"/>
+          </a:xfrm>
+          <a:prstGeom prst="straightConnector1">
+            <a:avLst/>
+          </a:prstGeom>
+          <a:ln>
+            <a:tailEnd type="triangle"/>
+          </a:ln>
+        </p:spPr>
+        <p:style>
+          <a:lnRef idx="2">
+            <a:schemeClr val="dk1"/>
+          </a:lnRef>
+          <a:fillRef idx="0">
+            <a:schemeClr val="dk1"/>
+          </a:fillRef>
+          <a:effectRef idx="1">
+            <a:schemeClr val="dk1"/>
+          </a:effectRef>
+          <a:fontRef idx="minor">
+            <a:schemeClr val="tx1"/>
+          </a:fontRef>
+        </p:style>
+      </p:cxnSp>
+      <p:cxnSp>
+        <p:nvCxnSpPr>
+          <p:cNvPr id="255" name="Straight Arrow Connector 254">
+            <a:extLst>
+              <a:ext uri="{FF2B5EF4-FFF2-40B4-BE49-F238E27FC236}">
+                <a16:creationId xmlns:a16="http://schemas.microsoft.com/office/drawing/2014/main" id="{D7DE6624-0CC3-6B08-33C4-75E690E0D069}"/>
+              </a:ext>
+            </a:extLst>
+          </p:cNvPr>
+          <p:cNvCxnSpPr>
+            <a:cxnSpLocks/>
+            <a:stCxn id="44" idx="3"/>
+            <a:endCxn id="241" idx="1"/>
+          </p:cNvCxnSpPr>
+          <p:nvPr/>
+        </p:nvCxnSpPr>
+        <p:spPr>
+          <a:xfrm>
+            <a:off x="6629303" y="5793928"/>
+            <a:ext cx="326390" cy="0"/>
+          </a:xfrm>
+          <a:prstGeom prst="straightConnector1">
+            <a:avLst/>
+          </a:prstGeom>
+          <a:ln>
+            <a:tailEnd type="triangle"/>
+          </a:ln>
+        </p:spPr>
+        <p:style>
+          <a:lnRef idx="2">
+            <a:schemeClr val="dk1"/>
+          </a:lnRef>
+          <a:fillRef idx="0">
+            <a:schemeClr val="dk1"/>
+          </a:fillRef>
+          <a:effectRef idx="1">
+            <a:schemeClr val="dk1"/>
+          </a:effectRef>
+          <a:fontRef idx="minor">
+            <a:schemeClr val="tx1"/>
+          </a:fontRef>
+        </p:style>
+      </p:cxnSp>
+      <p:cxnSp>
+        <p:nvCxnSpPr>
+          <p:cNvPr id="257" name="Straight Arrow Connector 256">
+            <a:extLst>
+              <a:ext uri="{FF2B5EF4-FFF2-40B4-BE49-F238E27FC236}">
+                <a16:creationId xmlns:a16="http://schemas.microsoft.com/office/drawing/2014/main" id="{6F3ABE87-F276-505E-6ECB-E49897A2C0CA}"/>
+              </a:ext>
+            </a:extLst>
+          </p:cNvPr>
+          <p:cNvCxnSpPr>
+            <a:cxnSpLocks/>
+            <a:stCxn id="241" idx="3"/>
+            <a:endCxn id="61" idx="1"/>
+          </p:cNvCxnSpPr>
+          <p:nvPr/>
+        </p:nvCxnSpPr>
+        <p:spPr>
+          <a:xfrm>
+            <a:off x="7711067" y="5793928"/>
+            <a:ext cx="326920" cy="0"/>
+          </a:xfrm>
+          <a:prstGeom prst="straightConnector1">
+            <a:avLst/>
+          </a:prstGeom>
+          <a:ln>
+            <a:tailEnd type="triangle"/>
+          </a:ln>
+        </p:spPr>
+        <p:style>
+          <a:lnRef idx="2">
+            <a:schemeClr val="dk1"/>
+          </a:lnRef>
+          <a:fillRef idx="0">
+            <a:schemeClr val="dk1"/>
+          </a:fillRef>
+          <a:effectRef idx="1">
+            <a:schemeClr val="dk1"/>
+          </a:effectRef>
+          <a:fontRef idx="minor">
+            <a:schemeClr val="tx1"/>
+          </a:fontRef>
+        </p:style>
+      </p:cxnSp>
+      <p:sp>
+        <p:nvSpPr>
+          <p:cNvPr id="265" name="Rectangle: Rounded Corners 264">
+            <a:extLst>
+              <a:ext uri="{FF2B5EF4-FFF2-40B4-BE49-F238E27FC236}">
+                <a16:creationId xmlns:a16="http://schemas.microsoft.com/office/drawing/2014/main" id="{C2C01627-0D4D-91CE-A22A-EF373A2EA60F}"/>
+              </a:ext>
+            </a:extLst>
+          </p:cNvPr>
+          <p:cNvSpPr/>
+          <p:nvPr/>
+        </p:nvSpPr>
+        <p:spPr>
+          <a:xfrm>
+            <a:off x="3253972" y="5809664"/>
+            <a:ext cx="1533921" cy="651722"/>
+          </a:xfrm>
+          <a:prstGeom prst="roundRect">
+            <a:avLst/>
+          </a:prstGeom>
+          <a:solidFill>
+            <a:schemeClr val="bg1"/>
+          </a:solidFill>
+          <a:ln>
+            <a:noFill/>
+          </a:ln>
+        </p:spPr>
+        <p:style>
+          <a:lnRef idx="2">
+            <a:schemeClr val="accent1">
+              <a:shade val="15000"/>
+            </a:schemeClr>
+          </a:lnRef>
+          <a:fillRef idx="1">
+            <a:schemeClr val="accent1"/>
+          </a:fillRef>
+          <a:effectRef idx="0">
+            <a:schemeClr val="accent1"/>
+          </a:effectRef>
+          <a:fontRef idx="minor">
+            <a:schemeClr val="lt1"/>
+          </a:fontRef>
+        </p:style>
+        <p:txBody>
+          <a:bodyPr rtlCol="0" anchor="ctr"/>
+          <a:lstStyle/>
+          <a:p>
+            <a:endParaRPr lang="en-US" sz="1700" b="1" dirty="0">
+              <a:solidFill>
+                <a:schemeClr val="tx1"/>
+              </a:solidFill>
+            </a:endParaRPr>
+          </a:p>
+        </p:txBody>
+      </p:sp>
+      <p:sp>
+        <p:nvSpPr>
+          <p:cNvPr id="127" name="Rectangle: Rounded Corners 126">
+            <a:extLst>
+              <a:ext uri="{FF2B5EF4-FFF2-40B4-BE49-F238E27FC236}">
+                <a16:creationId xmlns:a16="http://schemas.microsoft.com/office/drawing/2014/main" id="{E5FBAA28-1F78-C17E-C2CB-59223B975EA4}"/>
+              </a:ext>
+            </a:extLst>
+          </p:cNvPr>
+          <p:cNvSpPr/>
+          <p:nvPr/>
+        </p:nvSpPr>
+        <p:spPr>
+          <a:xfrm>
+            <a:off x="6955693" y="1119045"/>
+            <a:ext cx="755374" cy="5387571"/>
+          </a:xfrm>
+          <a:prstGeom prst="roundRect">
+            <a:avLst/>
+          </a:prstGeom>
+          <a:solidFill>
+            <a:schemeClr val="accent2">
+              <a:lumMod val="40000"/>
+              <a:lumOff val="60000"/>
+            </a:schemeClr>
+          </a:solidFill>
+          <a:ln>
+            <a:noFill/>
+          </a:ln>
+        </p:spPr>
+        <p:style>
+          <a:lnRef idx="2">
+            <a:schemeClr val="accent1">
+              <a:shade val="15000"/>
+            </a:schemeClr>
+          </a:lnRef>
+          <a:fillRef idx="1">
+            <a:schemeClr val="accent1"/>
+          </a:fillRef>
+          <a:effectRef idx="0">
+            <a:schemeClr val="accent1"/>
+          </a:effectRef>
+          <a:fontRef idx="minor">
+            <a:schemeClr val="lt1"/>
+          </a:fontRef>
+        </p:style>
+        <p:txBody>
+          <a:bodyPr vert="vert270" rtlCol="0" anchor="ctr"/>
+          <a:lstStyle/>
+          <a:p>
+            <a:pPr algn="ctr"/>
+            <a:r>
+              <a:rPr lang="en-US" sz="1600" b="1" dirty="0">
+                <a:solidFill>
+                  <a:schemeClr val="tx1"/>
+                </a:solidFill>
+              </a:rPr>
+              <a:t>User Authentication</a:t>
+            </a:r>
+          </a:p>
+        </p:txBody>
+      </p:sp>
+      <p:cxnSp>
+        <p:nvCxnSpPr>
+          <p:cNvPr id="267" name="Straight Connector 266">
+            <a:extLst>
+              <a:ext uri="{FF2B5EF4-FFF2-40B4-BE49-F238E27FC236}">
+                <a16:creationId xmlns:a16="http://schemas.microsoft.com/office/drawing/2014/main" id="{A187D43F-95F5-3103-1E55-EC6896D68629}"/>
+              </a:ext>
+            </a:extLst>
+          </p:cNvPr>
+          <p:cNvCxnSpPr>
+            <a:cxnSpLocks/>
+            <a:stCxn id="32" idx="3"/>
+            <a:endCxn id="265" idx="3"/>
+          </p:cNvCxnSpPr>
+          <p:nvPr/>
+        </p:nvCxnSpPr>
+        <p:spPr>
+          <a:xfrm>
+            <a:off x="2932042" y="6135525"/>
+            <a:ext cx="1855851" cy="0"/>
+          </a:xfrm>
+          <a:prstGeom prst="line">
+            <a:avLst/>
+          </a:prstGeom>
+        </p:spPr>
+        <p:style>
+          <a:lnRef idx="2">
+            <a:schemeClr val="dk1"/>
+          </a:lnRef>
+          <a:fillRef idx="0">
+            <a:schemeClr val="dk1"/>
+          </a:fillRef>
+          <a:effectRef idx="1">
+            <a:schemeClr val="dk1"/>
+          </a:effectRef>
+          <a:fontRef idx="minor">
+            <a:schemeClr val="tx1"/>
+          </a:fontRef>
+        </p:style>
+      </p:cxnSp>
+      <p:cxnSp>
+        <p:nvCxnSpPr>
+          <p:cNvPr id="273" name="Straight Arrow Connector 272">
+            <a:extLst>
+              <a:ext uri="{FF2B5EF4-FFF2-40B4-BE49-F238E27FC236}">
+                <a16:creationId xmlns:a16="http://schemas.microsoft.com/office/drawing/2014/main" id="{FC05CD43-659E-CD12-1E60-2488EE25433F}"/>
+              </a:ext>
+            </a:extLst>
+          </p:cNvPr>
+          <p:cNvCxnSpPr>
+            <a:stCxn id="43" idx="3"/>
+            <a:endCxn id="44" idx="1"/>
+          </p:cNvCxnSpPr>
+          <p:nvPr/>
+        </p:nvCxnSpPr>
+        <p:spPr>
+          <a:xfrm>
+            <a:off x="4787892" y="5407095"/>
+            <a:ext cx="178374" cy="386833"/>
+          </a:xfrm>
+          <a:prstGeom prst="straightConnector1">
+            <a:avLst/>
+          </a:prstGeom>
+          <a:ln>
+            <a:tailEnd type="triangle"/>
+          </a:ln>
+        </p:spPr>
+        <p:style>
+          <a:lnRef idx="2">
+            <a:schemeClr val="dk1"/>
+          </a:lnRef>
+          <a:fillRef idx="0">
+            <a:schemeClr val="dk1"/>
+          </a:fillRef>
+          <a:effectRef idx="1">
+            <a:schemeClr val="dk1"/>
+          </a:effectRef>
+          <a:fontRef idx="minor">
+            <a:schemeClr val="tx1"/>
+          </a:fontRef>
+        </p:style>
+      </p:cxnSp>
+      <p:cxnSp>
+        <p:nvCxnSpPr>
+          <p:cNvPr id="275" name="Straight Arrow Connector 274">
+            <a:extLst>
+              <a:ext uri="{FF2B5EF4-FFF2-40B4-BE49-F238E27FC236}">
+                <a16:creationId xmlns:a16="http://schemas.microsoft.com/office/drawing/2014/main" id="{9F7CD088-F7F7-9E23-7BF1-EF110EAB695D}"/>
+              </a:ext>
+            </a:extLst>
+          </p:cNvPr>
+          <p:cNvCxnSpPr>
+            <a:stCxn id="265" idx="3"/>
+            <a:endCxn id="44" idx="1"/>
+          </p:cNvCxnSpPr>
+          <p:nvPr/>
+        </p:nvCxnSpPr>
+        <p:spPr>
+          <a:xfrm flipV="1">
+            <a:off x="4787893" y="5793928"/>
+            <a:ext cx="178373" cy="341597"/>
+          </a:xfrm>
+          <a:prstGeom prst="straightConnector1">
+            <a:avLst/>
+          </a:prstGeom>
+          <a:ln>
+            <a:tailEnd type="triangle"/>
+          </a:ln>
+        </p:spPr>
+        <p:style>
+          <a:lnRef idx="2">
+            <a:schemeClr val="dk1"/>
+          </a:lnRef>
+          <a:fillRef idx="0">
+            <a:schemeClr val="dk1"/>
+          </a:fillRef>
+          <a:effectRef idx="1">
+            <a:schemeClr val="dk1"/>
+          </a:effectRef>
+          <a:fontRef idx="minor">
+            <a:schemeClr val="tx1"/>
+          </a:fontRef>
+        </p:style>
+      </p:cxnSp>
+      <p:cxnSp>
+        <p:nvCxnSpPr>
+          <p:cNvPr id="277" name="Straight Arrow Connector 276">
+            <a:extLst>
+              <a:ext uri="{FF2B5EF4-FFF2-40B4-BE49-F238E27FC236}">
+                <a16:creationId xmlns:a16="http://schemas.microsoft.com/office/drawing/2014/main" id="{6F07AA94-140B-BF1F-8CF4-EF3BF993DCDE}"/>
+              </a:ext>
+            </a:extLst>
+          </p:cNvPr>
+          <p:cNvCxnSpPr>
+            <a:stCxn id="93" idx="3"/>
+            <a:endCxn id="95" idx="1"/>
+          </p:cNvCxnSpPr>
+          <p:nvPr/>
+        </p:nvCxnSpPr>
+        <p:spPr>
+          <a:xfrm>
+            <a:off x="2932043" y="3662653"/>
+            <a:ext cx="324695" cy="406820"/>
+          </a:xfrm>
+          <a:prstGeom prst="straightConnector1">
+            <a:avLst/>
+          </a:prstGeom>
+          <a:ln>
+            <a:tailEnd type="triangle"/>
+          </a:ln>
+        </p:spPr>
+        <p:style>
+          <a:lnRef idx="2">
+            <a:schemeClr val="dk1"/>
+          </a:lnRef>
+          <a:fillRef idx="0">
+            <a:schemeClr val="dk1"/>
+          </a:fillRef>
+          <a:effectRef idx="1">
+            <a:schemeClr val="dk1"/>
+          </a:effectRef>
+          <a:fontRef idx="minor">
+            <a:schemeClr val="tx1"/>
+          </a:fontRef>
+        </p:style>
+      </p:cxnSp>
+      <p:cxnSp>
+        <p:nvCxnSpPr>
+          <p:cNvPr id="279" name="Straight Arrow Connector 278">
+            <a:extLst>
+              <a:ext uri="{FF2B5EF4-FFF2-40B4-BE49-F238E27FC236}">
+                <a16:creationId xmlns:a16="http://schemas.microsoft.com/office/drawing/2014/main" id="{48121DA9-7133-9FF6-22B4-89452FD556B6}"/>
+              </a:ext>
+            </a:extLst>
+          </p:cNvPr>
+          <p:cNvCxnSpPr>
+            <a:stCxn id="94" idx="3"/>
+            <a:endCxn id="95" idx="1"/>
+          </p:cNvCxnSpPr>
+          <p:nvPr/>
+        </p:nvCxnSpPr>
+        <p:spPr>
+          <a:xfrm flipV="1">
+            <a:off x="2932044" y="4069473"/>
+            <a:ext cx="324694" cy="548725"/>
           </a:xfrm>
           <a:prstGeom prst="straightConnector1">
             <a:avLst/>
@@ -4656,959 +5579,6 @@
     <p:extLst>
       <p:ext uri="{BB962C8B-B14F-4D97-AF65-F5344CB8AC3E}">
         <p14:creationId xmlns:p14="http://schemas.microsoft.com/office/powerpoint/2010/main" val="1041804348"/>
-      </p:ext>
-    </p:extLst>
-  </p:cSld>
-  <p:clrMapOvr>
-    <a:masterClrMapping/>
-  </p:clrMapOvr>
-</p:sld>
-</file>
-
-<file path=ppt/slides/slide3.xml><?xml version="1.0" encoding="utf-8"?>
-<p:sld xmlns:a="http://schemas.openxmlformats.org/drawingml/2006/main" xmlns:r="http://schemas.openxmlformats.org/officeDocument/2006/relationships" xmlns:p="http://schemas.openxmlformats.org/presentationml/2006/main">
-  <p:cSld>
-    <p:spTree>
-      <p:nvGrpSpPr>
-        <p:cNvPr id="1" name="">
-          <a:extLst>
-            <a:ext uri="{FF2B5EF4-FFF2-40B4-BE49-F238E27FC236}">
-              <a16:creationId xmlns:a16="http://schemas.microsoft.com/office/drawing/2014/main" id="{E0AD48C7-D4DF-0DB6-2CD3-FAB52FCF4DAE}"/>
-            </a:ext>
-          </a:extLst>
-        </p:cNvPr>
-        <p:cNvGrpSpPr/>
-        <p:nvPr/>
-      </p:nvGrpSpPr>
-      <p:grpSpPr>
-        <a:xfrm>
-          <a:off x="0" y="0"/>
-          <a:ext cx="0" cy="0"/>
-          <a:chOff x="0" y="0"/>
-          <a:chExt cx="0" cy="0"/>
-        </a:xfrm>
-      </p:grpSpPr>
-      <p:sp>
-        <p:nvSpPr>
-          <p:cNvPr id="2" name="Title 1">
-            <a:extLst>
-              <a:ext uri="{FF2B5EF4-FFF2-40B4-BE49-F238E27FC236}">
-                <a16:creationId xmlns:a16="http://schemas.microsoft.com/office/drawing/2014/main" id="{4EBB6F3E-3531-12D0-51BD-0E2183A09FE1}"/>
-              </a:ext>
-            </a:extLst>
-          </p:cNvPr>
-          <p:cNvSpPr>
-            <a:spLocks noGrp="1"/>
-          </p:cNvSpPr>
-          <p:nvPr>
-            <p:ph type="title"/>
-          </p:nvPr>
-        </p:nvSpPr>
-        <p:spPr>
-          <a:xfrm>
-            <a:off x="838200" y="365125"/>
-            <a:ext cx="10515600" cy="1152779"/>
-          </a:xfrm>
-        </p:spPr>
-        <p:txBody>
-          <a:bodyPr/>
-          <a:lstStyle/>
-          <a:p>
-            <a:r>
-              <a:rPr lang="en-US" dirty="0"/>
-              <a:t>Dashboard workflow</a:t>
-            </a:r>
-          </a:p>
-        </p:txBody>
-      </p:sp>
-      <p:sp>
-        <p:nvSpPr>
-          <p:cNvPr id="6" name="Rectangle: Rounded Corners 5">
-            <a:extLst>
-              <a:ext uri="{FF2B5EF4-FFF2-40B4-BE49-F238E27FC236}">
-                <a16:creationId xmlns:a16="http://schemas.microsoft.com/office/drawing/2014/main" id="{E918EC39-413D-F424-8BBE-B87770111D19}"/>
-              </a:ext>
-            </a:extLst>
-          </p:cNvPr>
-          <p:cNvSpPr/>
-          <p:nvPr/>
-        </p:nvSpPr>
-        <p:spPr>
-          <a:xfrm>
-            <a:off x="628455" y="1340828"/>
-            <a:ext cx="1798918" cy="914400"/>
-          </a:xfrm>
-          <a:prstGeom prst="roundRect">
-            <a:avLst/>
-          </a:prstGeom>
-          <a:solidFill>
-            <a:schemeClr val="accent4"/>
-          </a:solidFill>
-          <a:ln>
-            <a:noFill/>
-          </a:ln>
-        </p:spPr>
-        <p:style>
-          <a:lnRef idx="0">
-            <a:scrgbClr r="0" g="0" b="0"/>
-          </a:lnRef>
-          <a:fillRef idx="0">
-            <a:scrgbClr r="0" g="0" b="0"/>
-          </a:fillRef>
-          <a:effectRef idx="0">
-            <a:scrgbClr r="0" g="0" b="0"/>
-          </a:effectRef>
-          <a:fontRef idx="minor">
-            <a:schemeClr val="lt1"/>
-          </a:fontRef>
-        </p:style>
-        <p:txBody>
-          <a:bodyPr rtlCol="0" anchor="ctr"/>
-          <a:lstStyle/>
-          <a:p>
-            <a:pPr algn="ctr"/>
-            <a:r>
-              <a:rPr lang="en-US" dirty="0"/>
-              <a:t>Data Sets</a:t>
-            </a:r>
-          </a:p>
-        </p:txBody>
-      </p:sp>
-      <p:sp>
-        <p:nvSpPr>
-          <p:cNvPr id="7" name="Rectangle: Rounded Corners 6">
-            <a:extLst>
-              <a:ext uri="{FF2B5EF4-FFF2-40B4-BE49-F238E27FC236}">
-                <a16:creationId xmlns:a16="http://schemas.microsoft.com/office/drawing/2014/main" id="{A532D298-F23E-F3C7-1238-C4FEF54FAD6A}"/>
-              </a:ext>
-            </a:extLst>
-          </p:cNvPr>
-          <p:cNvSpPr/>
-          <p:nvPr/>
-        </p:nvSpPr>
-        <p:spPr>
-          <a:xfrm>
-            <a:off x="628456" y="2470419"/>
-            <a:ext cx="1798918" cy="1300734"/>
-          </a:xfrm>
-          <a:prstGeom prst="roundRect">
-            <a:avLst/>
-          </a:prstGeom>
-          <a:solidFill>
-            <a:schemeClr val="accent3"/>
-          </a:solidFill>
-          <a:ln>
-            <a:noFill/>
-          </a:ln>
-        </p:spPr>
-        <p:style>
-          <a:lnRef idx="0">
-            <a:scrgbClr r="0" g="0" b="0"/>
-          </a:lnRef>
-          <a:fillRef idx="0">
-            <a:scrgbClr r="0" g="0" b="0"/>
-          </a:fillRef>
-          <a:effectRef idx="0">
-            <a:scrgbClr r="0" g="0" b="0"/>
-          </a:effectRef>
-          <a:fontRef idx="minor">
-            <a:schemeClr val="lt1"/>
-          </a:fontRef>
-        </p:style>
-        <p:txBody>
-          <a:bodyPr rtlCol="0" anchor="ctr"/>
-          <a:lstStyle/>
-          <a:p>
-            <a:pPr algn="ctr"/>
-            <a:r>
-              <a:rPr lang="en-US" dirty="0"/>
-              <a:t>Data Processing</a:t>
-            </a:r>
-          </a:p>
-        </p:txBody>
-      </p:sp>
-      <p:sp>
-        <p:nvSpPr>
-          <p:cNvPr id="8" name="Rectangle: Rounded Corners 7">
-            <a:extLst>
-              <a:ext uri="{FF2B5EF4-FFF2-40B4-BE49-F238E27FC236}">
-                <a16:creationId xmlns:a16="http://schemas.microsoft.com/office/drawing/2014/main" id="{62F07006-92A3-C95F-0036-CB2C0610234E}"/>
-              </a:ext>
-            </a:extLst>
-          </p:cNvPr>
-          <p:cNvSpPr/>
-          <p:nvPr/>
-        </p:nvSpPr>
-        <p:spPr>
-          <a:xfrm>
-            <a:off x="628455" y="3986345"/>
-            <a:ext cx="1798918" cy="2500514"/>
-          </a:xfrm>
-          <a:prstGeom prst="roundRect">
-            <a:avLst/>
-          </a:prstGeom>
-          <a:solidFill>
-            <a:schemeClr val="accent5"/>
-          </a:solidFill>
-          <a:ln>
-            <a:noFill/>
-          </a:ln>
-        </p:spPr>
-        <p:style>
-          <a:lnRef idx="0">
-            <a:scrgbClr r="0" g="0" b="0"/>
-          </a:lnRef>
-          <a:fillRef idx="0">
-            <a:scrgbClr r="0" g="0" b="0"/>
-          </a:fillRef>
-          <a:effectRef idx="0">
-            <a:scrgbClr r="0" g="0" b="0"/>
-          </a:effectRef>
-          <a:fontRef idx="minor">
-            <a:schemeClr val="lt1"/>
-          </a:fontRef>
-        </p:style>
-        <p:txBody>
-          <a:bodyPr rtlCol="0" anchor="ctr"/>
-          <a:lstStyle/>
-          <a:p>
-            <a:pPr algn="ctr"/>
-            <a:r>
-              <a:rPr lang="en-US" dirty="0"/>
-              <a:t>Dashboard Creation</a:t>
-            </a:r>
-          </a:p>
-        </p:txBody>
-      </p:sp>
-      <p:sp>
-        <p:nvSpPr>
-          <p:cNvPr id="9" name="Rectangle: Rounded Corners 8">
-            <a:extLst>
-              <a:ext uri="{FF2B5EF4-FFF2-40B4-BE49-F238E27FC236}">
-                <a16:creationId xmlns:a16="http://schemas.microsoft.com/office/drawing/2014/main" id="{A8E659E7-DE51-6D37-9C4C-69AA1BCF766F}"/>
-              </a:ext>
-            </a:extLst>
-          </p:cNvPr>
-          <p:cNvSpPr/>
-          <p:nvPr/>
-        </p:nvSpPr>
-        <p:spPr>
-          <a:xfrm>
-            <a:off x="2542419" y="1346111"/>
-            <a:ext cx="4152153" cy="912131"/>
-          </a:xfrm>
-          <a:prstGeom prst="roundRect">
-            <a:avLst/>
-          </a:prstGeom>
-          <a:solidFill>
-            <a:schemeClr val="accent4">
-              <a:lumMod val="20000"/>
-              <a:lumOff val="80000"/>
-            </a:schemeClr>
-          </a:solidFill>
-          <a:ln>
-            <a:noFill/>
-          </a:ln>
-        </p:spPr>
-        <p:style>
-          <a:lnRef idx="2">
-            <a:schemeClr val="accent1">
-              <a:shade val="15000"/>
-            </a:schemeClr>
-          </a:lnRef>
-          <a:fillRef idx="1">
-            <a:schemeClr val="accent1"/>
-          </a:fillRef>
-          <a:effectRef idx="0">
-            <a:schemeClr val="accent1"/>
-          </a:effectRef>
-          <a:fontRef idx="minor">
-            <a:schemeClr val="lt1"/>
-          </a:fontRef>
-        </p:style>
-        <p:txBody>
-          <a:bodyPr rtlCol="0" anchor="ctr"/>
-          <a:lstStyle/>
-          <a:p>
-            <a:r>
-              <a:rPr lang="en-US" b="1" dirty="0">
-                <a:solidFill>
-                  <a:schemeClr val="tx1"/>
-                </a:solidFill>
-              </a:rPr>
-              <a:t>CropX, </a:t>
-            </a:r>
-            <a:r>
-              <a:rPr lang="en-US" b="1" dirty="0" err="1">
-                <a:solidFill>
-                  <a:schemeClr val="tx1"/>
-                </a:solidFill>
-              </a:rPr>
-              <a:t>AquaSpy</a:t>
-            </a:r>
-            <a:r>
-              <a:rPr lang="en-US" b="1" dirty="0">
-                <a:solidFill>
-                  <a:schemeClr val="tx1"/>
-                </a:solidFill>
-              </a:rPr>
-              <a:t>, and </a:t>
-            </a:r>
-            <a:r>
-              <a:rPr lang="en-US" b="1" dirty="0" err="1">
-                <a:solidFill>
-                  <a:schemeClr val="tx1"/>
-                </a:solidFill>
-              </a:rPr>
-              <a:t>Sentek</a:t>
-            </a:r>
-            <a:r>
-              <a:rPr lang="en-US" b="1" dirty="0">
-                <a:solidFill>
-                  <a:schemeClr val="tx1"/>
-                </a:solidFill>
-              </a:rPr>
-              <a:t> Sensors</a:t>
-            </a:r>
-          </a:p>
-          <a:p>
-            <a:pPr marL="285750" indent="-285750">
-              <a:buFont typeface="Arial" panose="020B0604020202020204" pitchFamily="34" charset="0"/>
-              <a:buChar char="•"/>
-            </a:pPr>
-            <a:r>
-              <a:rPr lang="en-US" dirty="0">
-                <a:solidFill>
-                  <a:schemeClr val="tx1"/>
-                </a:solidFill>
-              </a:rPr>
-              <a:t>Soil moisture</a:t>
-            </a:r>
-          </a:p>
-          <a:p>
-            <a:pPr marL="285750" indent="-285750">
-              <a:buFont typeface="Arial" panose="020B0604020202020204" pitchFamily="34" charset="0"/>
-              <a:buChar char="•"/>
-            </a:pPr>
-            <a:r>
-              <a:rPr lang="en-US" dirty="0">
-                <a:solidFill>
-                  <a:schemeClr val="tx1"/>
-                </a:solidFill>
-              </a:rPr>
-              <a:t>Soil temperature</a:t>
-            </a:r>
-          </a:p>
-        </p:txBody>
-      </p:sp>
-      <p:sp>
-        <p:nvSpPr>
-          <p:cNvPr id="10" name="Rectangle: Rounded Corners 9">
-            <a:extLst>
-              <a:ext uri="{FF2B5EF4-FFF2-40B4-BE49-F238E27FC236}">
-                <a16:creationId xmlns:a16="http://schemas.microsoft.com/office/drawing/2014/main" id="{8A57D14F-5BCE-FB58-019B-FCB014A6AC11}"/>
-              </a:ext>
-            </a:extLst>
-          </p:cNvPr>
-          <p:cNvSpPr/>
-          <p:nvPr/>
-        </p:nvSpPr>
-        <p:spPr>
-          <a:xfrm>
-            <a:off x="6809618" y="1340828"/>
-            <a:ext cx="2293471" cy="914400"/>
-          </a:xfrm>
-          <a:prstGeom prst="roundRect">
-            <a:avLst/>
-          </a:prstGeom>
-          <a:solidFill>
-            <a:schemeClr val="accent4">
-              <a:lumMod val="20000"/>
-              <a:lumOff val="80000"/>
-            </a:schemeClr>
-          </a:solidFill>
-          <a:ln>
-            <a:noFill/>
-          </a:ln>
-        </p:spPr>
-        <p:style>
-          <a:lnRef idx="2">
-            <a:schemeClr val="accent1">
-              <a:shade val="15000"/>
-            </a:schemeClr>
-          </a:lnRef>
-          <a:fillRef idx="1">
-            <a:schemeClr val="accent1"/>
-          </a:fillRef>
-          <a:effectRef idx="0">
-            <a:schemeClr val="accent1"/>
-          </a:effectRef>
-          <a:fontRef idx="minor">
-            <a:schemeClr val="lt1"/>
-          </a:fontRef>
-        </p:style>
-        <p:txBody>
-          <a:bodyPr rtlCol="0" anchor="ctr"/>
-          <a:lstStyle/>
-          <a:p>
-            <a:r>
-              <a:rPr lang="en-US" b="1" dirty="0" err="1">
-                <a:solidFill>
-                  <a:schemeClr val="tx1"/>
-                </a:solidFill>
-              </a:rPr>
-              <a:t>Mesonet</a:t>
-            </a:r>
-            <a:r>
-              <a:rPr lang="en-US" b="1" dirty="0">
-                <a:solidFill>
-                  <a:schemeClr val="tx1"/>
-                </a:solidFill>
-              </a:rPr>
-              <a:t> Data</a:t>
-            </a:r>
-          </a:p>
-          <a:p>
-            <a:pPr marL="285750" indent="-285750">
-              <a:buFont typeface="Arial" panose="020B0604020202020204" pitchFamily="34" charset="0"/>
-              <a:buChar char="•"/>
-            </a:pPr>
-            <a:r>
-              <a:rPr lang="en-US" dirty="0">
-                <a:solidFill>
-                  <a:schemeClr val="tx1"/>
-                </a:solidFill>
-              </a:rPr>
-              <a:t>Temperature</a:t>
-            </a:r>
-          </a:p>
-          <a:p>
-            <a:pPr marL="285750" indent="-285750">
-              <a:buFont typeface="Arial" panose="020B0604020202020204" pitchFamily="34" charset="0"/>
-              <a:buChar char="•"/>
-            </a:pPr>
-            <a:r>
-              <a:rPr lang="en-US" dirty="0">
-                <a:solidFill>
-                  <a:schemeClr val="tx1"/>
-                </a:solidFill>
-              </a:rPr>
-              <a:t>Precipitation</a:t>
-            </a:r>
-          </a:p>
-        </p:txBody>
-      </p:sp>
-      <p:sp>
-        <p:nvSpPr>
-          <p:cNvPr id="11" name="Rectangle: Rounded Corners 10">
-            <a:extLst>
-              <a:ext uri="{FF2B5EF4-FFF2-40B4-BE49-F238E27FC236}">
-                <a16:creationId xmlns:a16="http://schemas.microsoft.com/office/drawing/2014/main" id="{266D2A8F-E6AF-8ACB-2A89-AE402E28547D}"/>
-              </a:ext>
-            </a:extLst>
-          </p:cNvPr>
-          <p:cNvSpPr/>
-          <p:nvPr/>
-        </p:nvSpPr>
-        <p:spPr>
-          <a:xfrm>
-            <a:off x="9218135" y="1340828"/>
-            <a:ext cx="2418976" cy="914400"/>
-          </a:xfrm>
-          <a:prstGeom prst="roundRect">
-            <a:avLst/>
-          </a:prstGeom>
-          <a:solidFill>
-            <a:schemeClr val="accent4">
-              <a:lumMod val="20000"/>
-              <a:lumOff val="80000"/>
-            </a:schemeClr>
-          </a:solidFill>
-          <a:ln>
-            <a:noFill/>
-          </a:ln>
-        </p:spPr>
-        <p:style>
-          <a:lnRef idx="2">
-            <a:schemeClr val="accent1">
-              <a:shade val="15000"/>
-            </a:schemeClr>
-          </a:lnRef>
-          <a:fillRef idx="1">
-            <a:schemeClr val="accent1"/>
-          </a:fillRef>
-          <a:effectRef idx="0">
-            <a:schemeClr val="accent1"/>
-          </a:effectRef>
-          <a:fontRef idx="minor">
-            <a:schemeClr val="lt1"/>
-          </a:fontRef>
-        </p:style>
-        <p:txBody>
-          <a:bodyPr rtlCol="0" anchor="t"/>
-          <a:lstStyle/>
-          <a:p>
-            <a:r>
-              <a:rPr lang="en-US" b="1" dirty="0">
-                <a:solidFill>
-                  <a:schemeClr val="tx1"/>
-                </a:solidFill>
-              </a:rPr>
-              <a:t>Management Data</a:t>
-            </a:r>
-          </a:p>
-          <a:p>
-            <a:pPr marL="285750" indent="-285750">
-              <a:buFont typeface="Arial" panose="020B0604020202020204" pitchFamily="34" charset="0"/>
-              <a:buChar char="•"/>
-            </a:pPr>
-            <a:r>
-              <a:rPr lang="en-US" dirty="0">
-                <a:solidFill>
-                  <a:schemeClr val="tx1"/>
-                </a:solidFill>
-              </a:rPr>
-              <a:t>Irrigation Amounts</a:t>
-            </a:r>
-          </a:p>
-          <a:p>
-            <a:endParaRPr lang="en-US" dirty="0">
-              <a:solidFill>
-                <a:schemeClr val="tx1"/>
-              </a:solidFill>
-            </a:endParaRPr>
-          </a:p>
-        </p:txBody>
-      </p:sp>
-      <p:sp>
-        <p:nvSpPr>
-          <p:cNvPr id="12" name="Rectangle: Rounded Corners 11">
-            <a:extLst>
-              <a:ext uri="{FF2B5EF4-FFF2-40B4-BE49-F238E27FC236}">
-                <a16:creationId xmlns:a16="http://schemas.microsoft.com/office/drawing/2014/main" id="{FC57398F-1E34-BFDC-FCED-A58ECBEE76BD}"/>
-              </a:ext>
-            </a:extLst>
-          </p:cNvPr>
-          <p:cNvSpPr/>
-          <p:nvPr/>
-        </p:nvSpPr>
-        <p:spPr>
-          <a:xfrm>
-            <a:off x="2542419" y="2470419"/>
-            <a:ext cx="9094692" cy="1252922"/>
-          </a:xfrm>
-          <a:prstGeom prst="roundRect">
-            <a:avLst/>
-          </a:prstGeom>
-          <a:solidFill>
-            <a:schemeClr val="accent3">
-              <a:lumMod val="20000"/>
-              <a:lumOff val="80000"/>
-            </a:schemeClr>
-          </a:solidFill>
-          <a:ln>
-            <a:noFill/>
-          </a:ln>
-        </p:spPr>
-        <p:style>
-          <a:lnRef idx="2">
-            <a:schemeClr val="accent1">
-              <a:shade val="15000"/>
-            </a:schemeClr>
-          </a:lnRef>
-          <a:fillRef idx="1">
-            <a:schemeClr val="accent1"/>
-          </a:fillRef>
-          <a:effectRef idx="0">
-            <a:schemeClr val="accent1"/>
-          </a:effectRef>
-          <a:fontRef idx="minor">
-            <a:schemeClr val="lt1"/>
-          </a:fontRef>
-        </p:style>
-        <p:txBody>
-          <a:bodyPr rtlCol="0" anchor="ctr"/>
-          <a:lstStyle/>
-          <a:p>
-            <a:pPr marL="285750" indent="-285750">
-              <a:buFont typeface="Arial" panose="020B0604020202020204" pitchFamily="34" charset="0"/>
-              <a:buChar char="•"/>
-            </a:pPr>
-            <a:r>
-              <a:rPr lang="en-US" dirty="0">
-                <a:solidFill>
-                  <a:schemeClr val="tx1"/>
-                </a:solidFill>
-              </a:rPr>
-              <a:t>Use R Programming to input data and summarize by day and week</a:t>
-            </a:r>
-          </a:p>
-          <a:p>
-            <a:pPr marL="285750" indent="-285750">
-              <a:buFont typeface="Arial" panose="020B0604020202020204" pitchFamily="34" charset="0"/>
-              <a:buChar char="•"/>
-            </a:pPr>
-            <a:r>
-              <a:rPr lang="en-US" dirty="0">
-                <a:solidFill>
-                  <a:schemeClr val="tx1"/>
-                </a:solidFill>
-              </a:rPr>
-              <a:t>Summarize all data sources by day and week</a:t>
-            </a:r>
-          </a:p>
-          <a:p>
-            <a:pPr marL="285750" indent="-285750">
-              <a:buFont typeface="Arial" panose="020B0604020202020204" pitchFamily="34" charset="0"/>
-              <a:buChar char="•"/>
-            </a:pPr>
-            <a:r>
-              <a:rPr lang="en-US" dirty="0">
-                <a:solidFill>
-                  <a:schemeClr val="tx1"/>
-                </a:solidFill>
-              </a:rPr>
-              <a:t>Combine all data summaries into a single dataset that is used in the dashboard</a:t>
-            </a:r>
-          </a:p>
-        </p:txBody>
-      </p:sp>
-      <p:sp>
-        <p:nvSpPr>
-          <p:cNvPr id="13" name="Rectangle: Rounded Corners 12">
-            <a:extLst>
-              <a:ext uri="{FF2B5EF4-FFF2-40B4-BE49-F238E27FC236}">
-                <a16:creationId xmlns:a16="http://schemas.microsoft.com/office/drawing/2014/main" id="{01D6D72F-4E28-C225-F217-6DE7225BCA18}"/>
-              </a:ext>
-            </a:extLst>
-          </p:cNvPr>
-          <p:cNvSpPr/>
-          <p:nvPr/>
-        </p:nvSpPr>
-        <p:spPr>
-          <a:xfrm>
-            <a:off x="2542419" y="3986345"/>
-            <a:ext cx="9094692" cy="643178"/>
-          </a:xfrm>
-          <a:prstGeom prst="roundRect">
-            <a:avLst/>
-          </a:prstGeom>
-          <a:solidFill>
-            <a:schemeClr val="accent5">
-              <a:lumMod val="20000"/>
-              <a:lumOff val="80000"/>
-            </a:schemeClr>
-          </a:solidFill>
-          <a:ln>
-            <a:noFill/>
-          </a:ln>
-        </p:spPr>
-        <p:style>
-          <a:lnRef idx="2">
-            <a:schemeClr val="accent1">
-              <a:shade val="15000"/>
-            </a:schemeClr>
-          </a:lnRef>
-          <a:fillRef idx="1">
-            <a:schemeClr val="accent1"/>
-          </a:fillRef>
-          <a:effectRef idx="0">
-            <a:schemeClr val="accent1"/>
-          </a:effectRef>
-          <a:fontRef idx="minor">
-            <a:schemeClr val="lt1"/>
-          </a:fontRef>
-        </p:style>
-        <p:txBody>
-          <a:bodyPr rtlCol="0" anchor="ctr"/>
-          <a:lstStyle/>
-          <a:p>
-            <a:pPr marL="285750" indent="-285750">
-              <a:buFont typeface="Arial" panose="020B0604020202020204" pitchFamily="34" charset="0"/>
-              <a:buChar char="•"/>
-            </a:pPr>
-            <a:r>
-              <a:rPr lang="en-US" dirty="0">
-                <a:solidFill>
-                  <a:schemeClr val="tx1"/>
-                </a:solidFill>
-              </a:rPr>
-              <a:t>Use R Programming and Shiny to create a dashboard framework</a:t>
-            </a:r>
-          </a:p>
-        </p:txBody>
-      </p:sp>
-      <p:sp>
-        <p:nvSpPr>
-          <p:cNvPr id="14" name="Rectangle: Rounded Corners 13">
-            <a:extLst>
-              <a:ext uri="{FF2B5EF4-FFF2-40B4-BE49-F238E27FC236}">
-                <a16:creationId xmlns:a16="http://schemas.microsoft.com/office/drawing/2014/main" id="{1352B47E-2655-2386-449B-8EF8EFA90CFD}"/>
-              </a:ext>
-            </a:extLst>
-          </p:cNvPr>
-          <p:cNvSpPr/>
-          <p:nvPr/>
-        </p:nvSpPr>
-        <p:spPr>
-          <a:xfrm>
-            <a:off x="2542418" y="4748345"/>
-            <a:ext cx="4453128" cy="1738514"/>
-          </a:xfrm>
-          <a:prstGeom prst="roundRect">
-            <a:avLst/>
-          </a:prstGeom>
-          <a:solidFill>
-            <a:schemeClr val="accent5">
-              <a:lumMod val="20000"/>
-              <a:lumOff val="80000"/>
-            </a:schemeClr>
-          </a:solidFill>
-          <a:ln>
-            <a:noFill/>
-          </a:ln>
-        </p:spPr>
-        <p:style>
-          <a:lnRef idx="2">
-            <a:schemeClr val="accent1">
-              <a:shade val="15000"/>
-            </a:schemeClr>
-          </a:lnRef>
-          <a:fillRef idx="1">
-            <a:schemeClr val="accent1"/>
-          </a:fillRef>
-          <a:effectRef idx="0">
-            <a:schemeClr val="accent1"/>
-          </a:effectRef>
-          <a:fontRef idx="minor">
-            <a:schemeClr val="lt1"/>
-          </a:fontRef>
-        </p:style>
-        <p:txBody>
-          <a:bodyPr rtlCol="0" anchor="ctr"/>
-          <a:lstStyle/>
-          <a:p>
-            <a:r>
-              <a:rPr lang="en-US" b="1" dirty="0">
-                <a:solidFill>
-                  <a:schemeClr val="tx1"/>
-                </a:solidFill>
-              </a:rPr>
-              <a:t>Data Visualization</a:t>
-            </a:r>
-          </a:p>
-          <a:p>
-            <a:pPr marL="285750" indent="-285750">
-              <a:buFont typeface="Arial" panose="020B0604020202020204" pitchFamily="34" charset="0"/>
-              <a:buChar char="•"/>
-            </a:pPr>
-            <a:r>
-              <a:rPr lang="en-US" dirty="0">
-                <a:solidFill>
-                  <a:schemeClr val="tx1"/>
-                </a:solidFill>
-              </a:rPr>
-              <a:t>Create interactive graphs that allow users to explore the trends and relationships in the combined dataset</a:t>
-            </a:r>
-          </a:p>
-        </p:txBody>
-      </p:sp>
-      <p:sp>
-        <p:nvSpPr>
-          <p:cNvPr id="15" name="Rectangle: Rounded Corners 14">
-            <a:extLst>
-              <a:ext uri="{FF2B5EF4-FFF2-40B4-BE49-F238E27FC236}">
-                <a16:creationId xmlns:a16="http://schemas.microsoft.com/office/drawing/2014/main" id="{4E76CF54-96DB-47CF-55D4-504759A810C0}"/>
-              </a:ext>
-            </a:extLst>
-          </p:cNvPr>
-          <p:cNvSpPr/>
-          <p:nvPr/>
-        </p:nvSpPr>
-        <p:spPr>
-          <a:xfrm>
-            <a:off x="7183718" y="4754361"/>
-            <a:ext cx="4453393" cy="1738514"/>
-          </a:xfrm>
-          <a:prstGeom prst="roundRect">
-            <a:avLst/>
-          </a:prstGeom>
-          <a:solidFill>
-            <a:schemeClr val="accent5">
-              <a:lumMod val="20000"/>
-              <a:lumOff val="80000"/>
-            </a:schemeClr>
-          </a:solidFill>
-          <a:ln>
-            <a:noFill/>
-          </a:ln>
-        </p:spPr>
-        <p:style>
-          <a:lnRef idx="2">
-            <a:schemeClr val="accent1">
-              <a:shade val="15000"/>
-            </a:schemeClr>
-          </a:lnRef>
-          <a:fillRef idx="1">
-            <a:schemeClr val="accent1"/>
-          </a:fillRef>
-          <a:effectRef idx="0">
-            <a:schemeClr val="accent1"/>
-          </a:effectRef>
-          <a:fontRef idx="minor">
-            <a:schemeClr val="lt1"/>
-          </a:fontRef>
-        </p:style>
-        <p:txBody>
-          <a:bodyPr rtlCol="0" anchor="ctr"/>
-          <a:lstStyle/>
-          <a:p>
-            <a:r>
-              <a:rPr lang="en-US" b="1" dirty="0">
-                <a:solidFill>
-                  <a:schemeClr val="tx1"/>
-                </a:solidFill>
-              </a:rPr>
-              <a:t>Data Prediction</a:t>
-            </a:r>
-          </a:p>
-          <a:p>
-            <a:pPr marL="285750" indent="-285750">
-              <a:buFont typeface="Arial" panose="020B0604020202020204" pitchFamily="34" charset="0"/>
-              <a:buChar char="•"/>
-            </a:pPr>
-            <a:r>
-              <a:rPr lang="en-US" dirty="0">
-                <a:solidFill>
-                  <a:schemeClr val="tx1"/>
-                </a:solidFill>
-              </a:rPr>
-              <a:t>Use general additive models to create </a:t>
-            </a:r>
-            <a:r>
-              <a:rPr lang="en-US">
-                <a:solidFill>
-                  <a:schemeClr val="tx1"/>
-                </a:solidFill>
-              </a:rPr>
-              <a:t>statistical models</a:t>
-            </a:r>
-            <a:endParaRPr lang="en-US" dirty="0">
-              <a:solidFill>
-                <a:schemeClr val="tx1"/>
-              </a:solidFill>
-            </a:endParaRPr>
-          </a:p>
-        </p:txBody>
-      </p:sp>
-    </p:spTree>
-    <p:extLst>
-      <p:ext uri="{BB962C8B-B14F-4D97-AF65-F5344CB8AC3E}">
-        <p14:creationId xmlns:p14="http://schemas.microsoft.com/office/powerpoint/2010/main" val="946916274"/>
-      </p:ext>
-    </p:extLst>
-  </p:cSld>
-  <p:clrMapOvr>
-    <a:masterClrMapping/>
-  </p:clrMapOvr>
-</p:sld>
-</file>
-
-<file path=ppt/slides/slide4.xml><?xml version="1.0" encoding="utf-8"?>
-<p:sld xmlns:a="http://schemas.openxmlformats.org/drawingml/2006/main" xmlns:r="http://schemas.openxmlformats.org/officeDocument/2006/relationships" xmlns:p="http://schemas.openxmlformats.org/presentationml/2006/main">
-  <p:cSld>
-    <p:spTree>
-      <p:nvGrpSpPr>
-        <p:cNvPr id="1" name="">
-          <a:extLst>
-            <a:ext uri="{FF2B5EF4-FFF2-40B4-BE49-F238E27FC236}">
-              <a16:creationId xmlns:a16="http://schemas.microsoft.com/office/drawing/2014/main" id="{685BBA23-B469-BB66-A89B-84FFB8D741BD}"/>
-            </a:ext>
-          </a:extLst>
-        </p:cNvPr>
-        <p:cNvGrpSpPr/>
-        <p:nvPr/>
-      </p:nvGrpSpPr>
-      <p:grpSpPr>
-        <a:xfrm>
-          <a:off x="0" y="0"/>
-          <a:ext cx="0" cy="0"/>
-          <a:chOff x="0" y="0"/>
-          <a:chExt cx="0" cy="0"/>
-        </a:xfrm>
-      </p:grpSpPr>
-      <p:sp>
-        <p:nvSpPr>
-          <p:cNvPr id="2" name="Title 1">
-            <a:extLst>
-              <a:ext uri="{FF2B5EF4-FFF2-40B4-BE49-F238E27FC236}">
-                <a16:creationId xmlns:a16="http://schemas.microsoft.com/office/drawing/2014/main" id="{C5A6C1C6-C9D4-906E-8D02-4478398FC4A5}"/>
-              </a:ext>
-            </a:extLst>
-          </p:cNvPr>
-          <p:cNvSpPr>
-            <a:spLocks noGrp="1"/>
-          </p:cNvSpPr>
-          <p:nvPr>
-            <p:ph type="title"/>
-          </p:nvPr>
-        </p:nvSpPr>
-        <p:spPr>
-          <a:xfrm>
-            <a:off x="838200" y="365125"/>
-            <a:ext cx="10515600" cy="1152779"/>
-          </a:xfrm>
-        </p:spPr>
-        <p:txBody>
-          <a:bodyPr/>
-          <a:lstStyle/>
-          <a:p>
-            <a:r>
-              <a:rPr lang="en-US" dirty="0"/>
-              <a:t>Dashboard workflow</a:t>
-            </a:r>
-          </a:p>
-        </p:txBody>
-      </p:sp>
-      <p:sp>
-        <p:nvSpPr>
-          <p:cNvPr id="3" name="Content Placeholder 2">
-            <a:extLst>
-              <a:ext uri="{FF2B5EF4-FFF2-40B4-BE49-F238E27FC236}">
-                <a16:creationId xmlns:a16="http://schemas.microsoft.com/office/drawing/2014/main" id="{D77CA41C-C08E-B659-CB94-E43BE53C3D5B}"/>
-              </a:ext>
-            </a:extLst>
-          </p:cNvPr>
-          <p:cNvSpPr>
-            <a:spLocks noGrp="1"/>
-          </p:cNvSpPr>
-          <p:nvPr>
-            <p:ph idx="1"/>
-          </p:nvPr>
-        </p:nvSpPr>
-        <p:spPr/>
-        <p:txBody>
-          <a:bodyPr/>
-          <a:lstStyle/>
-          <a:p>
-            <a:r>
-              <a:rPr lang="en-US" b="0" i="0" dirty="0">
-                <a:solidFill>
-                  <a:srgbClr val="000000"/>
-                </a:solidFill>
-                <a:effectLst/>
-                <a:latin typeface="Aptos"/>
-              </a:rPr>
-              <a:t>Create a sketch showing dashboard input datasets, outputs, programming language, dashboard framework, and the overall data processing pipeline. Ensure the sketch is clearly visible. Focus on the main aspects of the dashboard.</a:t>
-            </a:r>
-            <a:endParaRPr lang="en-US" dirty="0"/>
-          </a:p>
-        </p:txBody>
-      </p:sp>
-    </p:spTree>
-    <p:extLst>
-      <p:ext uri="{BB962C8B-B14F-4D97-AF65-F5344CB8AC3E}">
-        <p14:creationId xmlns:p14="http://schemas.microsoft.com/office/powerpoint/2010/main" val="1566408975"/>
       </p:ext>
     </p:extLst>
   </p:cSld>
